--- a/Docs/3.4Evaluación de resultados.pptx
+++ b/Docs/3.4Evaluación de resultados.pptx
@@ -106,6 +106,11 @@
       </a:defRPr>
     </a:lvl9pPr>
   </p:defaultTextStyle>
+  <p:extLst>
+    <p:ext uri="{EFAFB233-063F-42B5-8137-9DF3F51BA10A}">
+      <p15:sldGuideLst xmlns:p15="http://schemas.microsoft.com/office/powerpoint/2012/main"/>
+    </p:ext>
+  </p:extLst>
 </p:presentation>
 </file>
 
@@ -335,7 +340,7 @@
           <a:p>
             <a:fld id="{78BDB4D9-4BD4-474B-AD71-B86B2305AA5C}" type="datetimeFigureOut">
               <a:rPr lang="es-PE" smtClean="0"/>
-              <a:t>3/07/2022</a:t>
+              <a:t>04/07/2022</a:t>
             </a:fld>
             <a:endParaRPr lang="es-PE"/>
           </a:p>
@@ -543,7 +548,7 @@
           <a:p>
             <a:fld id="{78BDB4D9-4BD4-474B-AD71-B86B2305AA5C}" type="datetimeFigureOut">
               <a:rPr lang="es-PE" smtClean="0"/>
-              <a:t>3/07/2022</a:t>
+              <a:t>04/07/2022</a:t>
             </a:fld>
             <a:endParaRPr lang="es-PE"/>
           </a:p>
@@ -799,7 +804,7 @@
           <a:p>
             <a:fld id="{78BDB4D9-4BD4-474B-AD71-B86B2305AA5C}" type="datetimeFigureOut">
               <a:rPr lang="es-PE" smtClean="0"/>
-              <a:t>3/07/2022</a:t>
+              <a:t>04/07/2022</a:t>
             </a:fld>
             <a:endParaRPr lang="es-PE"/>
           </a:p>
@@ -973,7 +978,7 @@
           <a:p>
             <a:fld id="{78BDB4D9-4BD4-474B-AD71-B86B2305AA5C}" type="datetimeFigureOut">
               <a:rPr lang="es-PE" smtClean="0"/>
-              <a:t>3/07/2022</a:t>
+              <a:t>04/07/2022</a:t>
             </a:fld>
             <a:endParaRPr lang="es-PE"/>
           </a:p>
@@ -1316,7 +1321,7 @@
           <a:p>
             <a:fld id="{78BDB4D9-4BD4-474B-AD71-B86B2305AA5C}" type="datetimeFigureOut">
               <a:rPr lang="es-PE" smtClean="0"/>
-              <a:t>3/07/2022</a:t>
+              <a:t>04/07/2022</a:t>
             </a:fld>
             <a:endParaRPr lang="es-PE"/>
           </a:p>
@@ -1591,7 +1596,7 @@
           <a:p>
             <a:fld id="{78BDB4D9-4BD4-474B-AD71-B86B2305AA5C}" type="datetimeFigureOut">
               <a:rPr lang="es-PE" smtClean="0"/>
-              <a:t>3/07/2022</a:t>
+              <a:t>04/07/2022</a:t>
             </a:fld>
             <a:endParaRPr lang="es-PE"/>
           </a:p>
@@ -1970,7 +1975,7 @@
           <a:p>
             <a:fld id="{78BDB4D9-4BD4-474B-AD71-B86B2305AA5C}" type="datetimeFigureOut">
               <a:rPr lang="es-PE" smtClean="0"/>
-              <a:t>3/07/2022</a:t>
+              <a:t>04/07/2022</a:t>
             </a:fld>
             <a:endParaRPr lang="es-PE"/>
           </a:p>
@@ -2088,7 +2093,7 @@
           <a:p>
             <a:fld id="{78BDB4D9-4BD4-474B-AD71-B86B2305AA5C}" type="datetimeFigureOut">
               <a:rPr lang="es-PE" smtClean="0"/>
-              <a:t>3/07/2022</a:t>
+              <a:t>04/07/2022</a:t>
             </a:fld>
             <a:endParaRPr lang="es-PE"/>
           </a:p>
@@ -2259,7 +2264,7 @@
           <a:p>
             <a:fld id="{78BDB4D9-4BD4-474B-AD71-B86B2305AA5C}" type="datetimeFigureOut">
               <a:rPr lang="es-PE" smtClean="0"/>
-              <a:t>3/07/2022</a:t>
+              <a:t>04/07/2022</a:t>
             </a:fld>
             <a:endParaRPr lang="es-PE"/>
           </a:p>
@@ -2613,7 +2618,7 @@
           <a:p>
             <a:fld id="{78BDB4D9-4BD4-474B-AD71-B86B2305AA5C}" type="datetimeFigureOut">
               <a:rPr lang="es-PE" smtClean="0"/>
-              <a:t>3/07/2022</a:t>
+              <a:t>04/07/2022</a:t>
             </a:fld>
             <a:endParaRPr lang="es-PE"/>
           </a:p>
@@ -2995,7 +3000,7 @@
           <a:p>
             <a:fld id="{78BDB4D9-4BD4-474B-AD71-B86B2305AA5C}" type="datetimeFigureOut">
               <a:rPr lang="es-PE" smtClean="0"/>
-              <a:t>3/07/2022</a:t>
+              <a:t>04/07/2022</a:t>
             </a:fld>
             <a:endParaRPr lang="es-PE"/>
           </a:p>
@@ -3282,7 +3287,7 @@
           <a:p>
             <a:fld id="{78BDB4D9-4BD4-474B-AD71-B86B2305AA5C}" type="datetimeFigureOut">
               <a:rPr lang="es-PE" smtClean="0"/>
-              <a:t>3/07/2022</a:t>
+              <a:t>04/07/2022</a:t>
             </a:fld>
             <a:endParaRPr lang="es-PE"/>
           </a:p>
@@ -3911,6 +3916,11 @@
           </p:cNvGraphicFramePr>
           <p:nvPr>
             <p:ph idx="1"/>
+            <p:extLst>
+              <p:ext uri="{D42A27DB-BD31-4B8C-83A1-F6EECF244321}">
+                <p14:modId xmlns:p14="http://schemas.microsoft.com/office/powerpoint/2010/main" val="4074861125"/>
+              </p:ext>
+            </p:extLst>
           </p:nvPr>
         </p:nvGraphicFramePr>
         <p:xfrm>
@@ -3921,7 +3931,7 @@
           <a:graphicData uri="http://schemas.openxmlformats.org/drawingml/2006/table">
             <a:tbl>
               <a:tblPr firstRow="1" bandRow="1">
-                <a:tableStyleId>{5C22544A-7EE6-4342-B048-85BDC9FD1C3A}</a:tableStyleId>
+                <a:tableStyleId>{616DA210-FB5B-4158-B5E0-FEB733F419BA}</a:tableStyleId>
               </a:tblPr>
               <a:tblGrid>
                 <a:gridCol w="1036320">
@@ -3977,18 +3987,27 @@
                     </a:p>
                   </a:txBody>
                   <a:tcPr>
-                    <a:lnB w="12700" cap="flat" cmpd="sng" algn="ctr">
-                      <a:solidFill>
-                        <a:schemeClr val="tx1"/>
-                      </a:solidFill>
-                      <a:prstDash val="solid"/>
-                      <a:round/>
-                      <a:headEnd type="none" w="med" len="med"/>
-                      <a:tailEnd type="none" w="med" len="med"/>
-                    </a:lnB>
-                    <a:solidFill>
-                      <a:schemeClr val="bg1"/>
-                    </a:solidFill>
+                    <a:lnL w="12700" cap="flat" cmpd="sng" algn="ctr">
+                      <a:noFill/>
+                      <a:prstDash val="solid"/>
+                      <a:round/>
+                      <a:headEnd type="none" w="med" len="med"/>
+                      <a:tailEnd type="none" w="med" len="med"/>
+                    </a:lnL>
+                    <a:lnR w="12700" cap="flat" cmpd="sng" algn="ctr">
+                      <a:noFill/>
+                      <a:prstDash val="solid"/>
+                      <a:round/>
+                      <a:headEnd type="none" w="med" len="med"/>
+                      <a:tailEnd type="none" w="med" len="med"/>
+                    </a:lnR>
+                    <a:lnT w="12700" cap="flat" cmpd="sng" algn="ctr">
+                      <a:noFill/>
+                      <a:prstDash val="solid"/>
+                      <a:round/>
+                      <a:headEnd type="none" w="med" len="med"/>
+                      <a:tailEnd type="none" w="med" len="med"/>
+                    </a:lnT>
                   </a:tcPr>
                 </a:tc>
                 <a:tc>
@@ -4000,18 +4019,20 @@
                     </a:p>
                   </a:txBody>
                   <a:tcPr>
-                    <a:lnB w="12700" cap="flat" cmpd="sng" algn="ctr">
-                      <a:solidFill>
-                        <a:schemeClr val="tx1"/>
-                      </a:solidFill>
-                      <a:prstDash val="solid"/>
-                      <a:round/>
-                      <a:headEnd type="none" w="med" len="med"/>
-                      <a:tailEnd type="none" w="med" len="med"/>
-                    </a:lnB>
-                    <a:solidFill>
-                      <a:schemeClr val="bg1"/>
-                    </a:solidFill>
+                    <a:lnL w="12700" cap="flat" cmpd="sng" algn="ctr">
+                      <a:noFill/>
+                      <a:prstDash val="solid"/>
+                      <a:round/>
+                      <a:headEnd type="none" w="med" len="med"/>
+                      <a:tailEnd type="none" w="med" len="med"/>
+                    </a:lnL>
+                    <a:lnT w="12700" cap="flat" cmpd="sng" algn="ctr">
+                      <a:noFill/>
+                      <a:prstDash val="solid"/>
+                      <a:round/>
+                      <a:headEnd type="none" w="med" len="med"/>
+                      <a:tailEnd type="none" w="med" len="med"/>
+                    </a:lnT>
                   </a:tcPr>
                 </a:tc>
                 <a:tc>
@@ -4026,17 +4047,7 @@
                       </a:r>
                     </a:p>
                   </a:txBody>
-                  <a:tcPr anchor="ctr">
-                    <a:lnB w="12700" cap="flat" cmpd="sng" algn="ctr">
-                      <a:solidFill>
-                        <a:schemeClr val="tx1"/>
-                      </a:solidFill>
-                      <a:prstDash val="solid"/>
-                      <a:round/>
-                      <a:headEnd type="none" w="med" len="med"/>
-                      <a:tailEnd type="none" w="med" len="med"/>
-                    </a:lnB>
-                  </a:tcPr>
+                  <a:tcPr anchor="ctr"/>
                 </a:tc>
                 <a:tc>
                   <a:txBody>
@@ -4045,26 +4056,12 @@
                     <a:p>
                       <a:pPr algn="ctr"/>
                       <a:r>
-                        <a:rPr lang="es-PE" dirty="0" err="1"/>
-                        <a:t>Random</a:t>
+                        <a:rPr lang="es-PE" dirty="0"/>
+                        <a:t>Random Forest</a:t>
                       </a:r>
-                      <a:r>
-                        <a:rPr lang="es-PE" dirty="0"/>
-                        <a:t> Forest</a:t>
-                      </a:r>
-                    </a:p>
-                  </a:txBody>
-                  <a:tcPr anchor="ctr">
-                    <a:lnB w="12700" cap="flat" cmpd="sng" algn="ctr">
-                      <a:solidFill>
-                        <a:schemeClr val="tx1"/>
-                      </a:solidFill>
-                      <a:prstDash val="solid"/>
-                      <a:round/>
-                      <a:headEnd type="none" w="med" len="med"/>
-                      <a:tailEnd type="none" w="med" len="med"/>
-                    </a:lnB>
-                  </a:tcPr>
+                    </a:p>
+                  </a:txBody>
+                  <a:tcPr anchor="ctr"/>
                 </a:tc>
                 <a:tc>
                   <a:txBody>
@@ -4078,17 +4075,7 @@
                       </a:r>
                     </a:p>
                   </a:txBody>
-                  <a:tcPr anchor="ctr">
-                    <a:lnB w="12700" cap="flat" cmpd="sng" algn="ctr">
-                      <a:solidFill>
-                        <a:schemeClr val="tx1"/>
-                      </a:solidFill>
-                      <a:prstDash val="solid"/>
-                      <a:round/>
-                      <a:headEnd type="none" w="med" len="med"/>
-                      <a:tailEnd type="none" w="med" len="med"/>
-                    </a:lnB>
-                  </a:tcPr>
+                  <a:tcPr anchor="ctr"/>
                 </a:tc>
                 <a:tc>
                   <a:txBody>
@@ -4102,17 +4089,7 @@
                       </a:r>
                     </a:p>
                   </a:txBody>
-                  <a:tcPr anchor="ctr">
-                    <a:lnB w="12700" cap="flat" cmpd="sng" algn="ctr">
-                      <a:solidFill>
-                        <a:schemeClr val="tx1"/>
-                      </a:solidFill>
-                      <a:prstDash val="solid"/>
-                      <a:round/>
-                      <a:headEnd type="none" w="med" len="med"/>
-                      <a:tailEnd type="none" w="med" len="med"/>
-                    </a:lnB>
-                  </a:tcPr>
+                  <a:tcPr anchor="ctr"/>
                 </a:tc>
                 <a:extLst>
                   <a:ext uri="{0D108BD9-81ED-4DB2-BD59-A6C34878D82A}">
@@ -4129,39 +4106,11 @@
                       <a:pPr algn="ctr"/>
                       <a:r>
                         <a:rPr lang="es-PE" dirty="0"/>
-                        <a:t>Data set Creada (SMOTE)</a:t>
+                        <a:t>Dataset Creada (SMOTE)</a:t>
                       </a:r>
                     </a:p>
                   </a:txBody>
-                  <a:tcPr anchor="ctr">
-                    <a:lnL w="12700" cap="flat" cmpd="sng" algn="ctr">
-                      <a:solidFill>
-                        <a:schemeClr val="tx1"/>
-                      </a:solidFill>
-                      <a:prstDash val="solid"/>
-                      <a:round/>
-                      <a:headEnd type="none" w="med" len="med"/>
-                      <a:tailEnd type="none" w="med" len="med"/>
-                    </a:lnL>
-                    <a:lnT w="12700" cap="flat" cmpd="sng" algn="ctr">
-                      <a:solidFill>
-                        <a:schemeClr val="tx1"/>
-                      </a:solidFill>
-                      <a:prstDash val="solid"/>
-                      <a:round/>
-                      <a:headEnd type="none" w="med" len="med"/>
-                      <a:tailEnd type="none" w="med" len="med"/>
-                    </a:lnT>
-                    <a:lnB w="12700" cap="flat" cmpd="sng" algn="ctr">
-                      <a:solidFill>
-                        <a:schemeClr val="tx1"/>
-                      </a:solidFill>
-                      <a:prstDash val="solid"/>
-                      <a:round/>
-                      <a:headEnd type="none" w="med" len="med"/>
-                      <a:tailEnd type="none" w="med" len="med"/>
-                    </a:lnB>
-                  </a:tcPr>
+                  <a:tcPr anchor="ctr"/>
                 </a:tc>
                 <a:tc rowSpan="3">
                   <a:txBody>
@@ -4176,24 +4125,13 @@
                     </a:p>
                   </a:txBody>
                   <a:tcPr anchor="ctr">
-                    <a:lnR w="12700" cap="flat" cmpd="sng" algn="ctr">
-                      <a:solidFill>
-                        <a:schemeClr val="tx1"/>
-                      </a:solidFill>
-                      <a:prstDash val="solid"/>
-                      <a:round/>
-                      <a:headEnd type="none" w="med" len="med"/>
-                      <a:tailEnd type="none" w="med" len="med"/>
-                    </a:lnR>
-                    <a:lnT w="12700" cap="flat" cmpd="sng" algn="ctr">
-                      <a:solidFill>
-                        <a:schemeClr val="tx1"/>
-                      </a:solidFill>
-                      <a:prstDash val="solid"/>
-                      <a:round/>
-                      <a:headEnd type="none" w="med" len="med"/>
-                      <a:tailEnd type="none" w="med" len="med"/>
-                    </a:lnT>
+                    <a:lnB w="12700" cap="flat" cmpd="sng" algn="ctr">
+                      <a:noFill/>
+                      <a:prstDash val="solid"/>
+                      <a:round/>
+                      <a:headEnd type="none" w="med" len="med"/>
+                      <a:tailEnd type="none" w="med" len="med"/>
+                    </a:lnB>
                   </a:tcPr>
                 </a:tc>
                 <a:tc>
@@ -4203,31 +4141,26 @@
                     <a:p>
                       <a:pPr algn="ctr"/>
                       <a:r>
-                        <a:rPr lang="es-PE" dirty="0" err="1"/>
+                        <a:rPr lang="es-PE" dirty="0"/>
                         <a:t>Accuracy</a:t>
                       </a:r>
-                      <a:endParaRPr lang="es-PE" dirty="0"/>
                     </a:p>
                   </a:txBody>
                   <a:tcPr anchor="ctr">
-                    <a:lnL w="12700" cap="flat" cmpd="sng" algn="ctr">
-                      <a:solidFill>
-                        <a:schemeClr val="tx1"/>
-                      </a:solidFill>
-                      <a:prstDash val="solid"/>
-                      <a:round/>
-                      <a:headEnd type="none" w="med" len="med"/>
-                      <a:tailEnd type="none" w="med" len="med"/>
-                    </a:lnL>
-                    <a:lnT w="12700" cap="flat" cmpd="sng" algn="ctr">
-                      <a:solidFill>
-                        <a:schemeClr val="tx1"/>
-                      </a:solidFill>
-                      <a:prstDash val="solid"/>
-                      <a:round/>
-                      <a:headEnd type="none" w="med" len="med"/>
-                      <a:tailEnd type="none" w="med" len="med"/>
-                    </a:lnT>
+                    <a:lnR w="12700" cap="flat" cmpd="sng" algn="ctr">
+                      <a:noFill/>
+                      <a:prstDash val="solid"/>
+                      <a:round/>
+                      <a:headEnd type="none" w="med" len="med"/>
+                      <a:tailEnd type="none" w="med" len="med"/>
+                    </a:lnR>
+                    <a:lnB w="12700" cap="flat" cmpd="sng" algn="ctr">
+                      <a:noFill/>
+                      <a:prstDash val="solid"/>
+                      <a:round/>
+                      <a:headEnd type="none" w="med" len="med"/>
+                      <a:tailEnd type="none" w="med" len="med"/>
+                    </a:lnB>
                   </a:tcPr>
                 </a:tc>
                 <a:tc>
@@ -4243,15 +4176,27 @@
                     </a:p>
                   </a:txBody>
                   <a:tcPr anchor="ctr">
-                    <a:lnT w="12700" cap="flat" cmpd="sng" algn="ctr">
-                      <a:solidFill>
-                        <a:schemeClr val="tx1"/>
-                      </a:solidFill>
-                      <a:prstDash val="solid"/>
-                      <a:round/>
-                      <a:headEnd type="none" w="med" len="med"/>
-                      <a:tailEnd type="none" w="med" len="med"/>
-                    </a:lnT>
+                    <a:lnL w="12700" cap="flat" cmpd="sng" algn="ctr">
+                      <a:noFill/>
+                      <a:prstDash val="solid"/>
+                      <a:round/>
+                      <a:headEnd type="none" w="med" len="med"/>
+                      <a:tailEnd type="none" w="med" len="med"/>
+                    </a:lnL>
+                    <a:lnR w="12700" cap="flat" cmpd="sng" algn="ctr">
+                      <a:noFill/>
+                      <a:prstDash val="solid"/>
+                      <a:round/>
+                      <a:headEnd type="none" w="med" len="med"/>
+                      <a:tailEnd type="none" w="med" len="med"/>
+                    </a:lnR>
+                    <a:lnB w="12700" cap="flat" cmpd="sng" algn="ctr">
+                      <a:noFill/>
+                      <a:prstDash val="solid"/>
+                      <a:round/>
+                      <a:headEnd type="none" w="med" len="med"/>
+                      <a:tailEnd type="none" w="med" len="med"/>
+                    </a:lnB>
                   </a:tcPr>
                 </a:tc>
                 <a:tc>
@@ -4267,15 +4212,27 @@
                     </a:p>
                   </a:txBody>
                   <a:tcPr anchor="ctr">
-                    <a:lnT w="12700" cap="flat" cmpd="sng" algn="ctr">
-                      <a:solidFill>
-                        <a:schemeClr val="tx1"/>
-                      </a:solidFill>
-                      <a:prstDash val="solid"/>
-                      <a:round/>
-                      <a:headEnd type="none" w="med" len="med"/>
-                      <a:tailEnd type="none" w="med" len="med"/>
-                    </a:lnT>
+                    <a:lnL w="12700" cap="flat" cmpd="sng" algn="ctr">
+                      <a:noFill/>
+                      <a:prstDash val="solid"/>
+                      <a:round/>
+                      <a:headEnd type="none" w="med" len="med"/>
+                      <a:tailEnd type="none" w="med" len="med"/>
+                    </a:lnL>
+                    <a:lnR w="12700" cap="flat" cmpd="sng" algn="ctr">
+                      <a:noFill/>
+                      <a:prstDash val="solid"/>
+                      <a:round/>
+                      <a:headEnd type="none" w="med" len="med"/>
+                      <a:tailEnd type="none" w="med" len="med"/>
+                    </a:lnR>
+                    <a:lnB w="12700" cap="flat" cmpd="sng" algn="ctr">
+                      <a:noFill/>
+                      <a:prstDash val="solid"/>
+                      <a:round/>
+                      <a:headEnd type="none" w="med" len="med"/>
+                      <a:tailEnd type="none" w="med" len="med"/>
+                    </a:lnB>
                   </a:tcPr>
                 </a:tc>
                 <a:tc>
@@ -4286,29 +4243,25 @@
                       <a:pPr algn="ctr"/>
                       <a:r>
                         <a:rPr lang="es-PE" dirty="0"/>
-                        <a:t>37.15%</a:t>
+                        <a:t>51.15%</a:t>
                       </a:r>
                     </a:p>
                   </a:txBody>
                   <a:tcPr anchor="ctr">
-                    <a:lnR w="12700" cap="flat" cmpd="sng" algn="ctr">
-                      <a:solidFill>
-                        <a:schemeClr val="tx1"/>
-                      </a:solidFill>
-                      <a:prstDash val="solid"/>
-                      <a:round/>
-                      <a:headEnd type="none" w="med" len="med"/>
-                      <a:tailEnd type="none" w="med" len="med"/>
-                    </a:lnR>
-                    <a:lnT w="12700" cap="flat" cmpd="sng" algn="ctr">
-                      <a:solidFill>
-                        <a:schemeClr val="tx1"/>
-                      </a:solidFill>
-                      <a:prstDash val="solid"/>
-                      <a:round/>
-                      <a:headEnd type="none" w="med" len="med"/>
-                      <a:tailEnd type="none" w="med" len="med"/>
-                    </a:lnT>
+                    <a:lnL w="12700" cap="flat" cmpd="sng" algn="ctr">
+                      <a:noFill/>
+                      <a:prstDash val="solid"/>
+                      <a:round/>
+                      <a:headEnd type="none" w="med" len="med"/>
+                      <a:tailEnd type="none" w="med" len="med"/>
+                    </a:lnL>
+                    <a:lnB w="12700" cap="flat" cmpd="sng" algn="ctr">
+                      <a:noFill/>
+                      <a:prstDash val="solid"/>
+                      <a:round/>
+                      <a:headEnd type="none" w="med" len="med"/>
+                      <a:tailEnd type="none" w="med" len="med"/>
+                    </a:lnB>
                   </a:tcPr>
                 </a:tc>
                 <a:extLst>
@@ -4345,22 +4298,33 @@
                     <a:p>
                       <a:pPr algn="ctr"/>
                       <a:r>
-                        <a:rPr lang="es-PE" dirty="0" err="1"/>
+                        <a:rPr lang="es-PE" dirty="0"/>
                         <a:t>Recall</a:t>
                       </a:r>
-                      <a:endParaRPr lang="es-PE" dirty="0"/>
                     </a:p>
                   </a:txBody>
                   <a:tcPr anchor="ctr">
-                    <a:lnL w="12700" cap="flat" cmpd="sng" algn="ctr">
-                      <a:solidFill>
-                        <a:schemeClr val="tx1"/>
-                      </a:solidFill>
-                      <a:prstDash val="solid"/>
-                      <a:round/>
-                      <a:headEnd type="none" w="med" len="med"/>
-                      <a:tailEnd type="none" w="med" len="med"/>
-                    </a:lnL>
+                    <a:lnR w="12700" cap="flat" cmpd="sng" algn="ctr">
+                      <a:noFill/>
+                      <a:prstDash val="solid"/>
+                      <a:round/>
+                      <a:headEnd type="none" w="med" len="med"/>
+                      <a:tailEnd type="none" w="med" len="med"/>
+                    </a:lnR>
+                    <a:lnT w="12700" cap="flat" cmpd="sng" algn="ctr">
+                      <a:noFill/>
+                      <a:prstDash val="solid"/>
+                      <a:round/>
+                      <a:headEnd type="none" w="med" len="med"/>
+                      <a:tailEnd type="none" w="med" len="med"/>
+                    </a:lnT>
+                    <a:lnB w="12700" cap="flat" cmpd="sng" algn="ctr">
+                      <a:noFill/>
+                      <a:prstDash val="solid"/>
+                      <a:round/>
+                      <a:headEnd type="none" w="med" len="med"/>
+                      <a:tailEnd type="none" w="med" len="med"/>
+                    </a:lnB>
                   </a:tcPr>
                 </a:tc>
                 <a:tc>
@@ -4375,7 +4339,36 @@
                       </a:r>
                     </a:p>
                   </a:txBody>
-                  <a:tcPr anchor="ctr"/>
+                  <a:tcPr anchor="ctr">
+                    <a:lnL w="12700" cap="flat" cmpd="sng" algn="ctr">
+                      <a:noFill/>
+                      <a:prstDash val="solid"/>
+                      <a:round/>
+                      <a:headEnd type="none" w="med" len="med"/>
+                      <a:tailEnd type="none" w="med" len="med"/>
+                    </a:lnL>
+                    <a:lnR w="12700" cap="flat" cmpd="sng" algn="ctr">
+                      <a:noFill/>
+                      <a:prstDash val="solid"/>
+                      <a:round/>
+                      <a:headEnd type="none" w="med" len="med"/>
+                      <a:tailEnd type="none" w="med" len="med"/>
+                    </a:lnR>
+                    <a:lnT w="12700" cap="flat" cmpd="sng" algn="ctr">
+                      <a:noFill/>
+                      <a:prstDash val="solid"/>
+                      <a:round/>
+                      <a:headEnd type="none" w="med" len="med"/>
+                      <a:tailEnd type="none" w="med" len="med"/>
+                    </a:lnT>
+                    <a:lnB w="12700" cap="flat" cmpd="sng" algn="ctr">
+                      <a:noFill/>
+                      <a:prstDash val="solid"/>
+                      <a:round/>
+                      <a:headEnd type="none" w="med" len="med"/>
+                      <a:tailEnd type="none" w="med" len="med"/>
+                    </a:lnB>
+                  </a:tcPr>
                 </a:tc>
                 <a:tc>
                   <a:txBody>
@@ -4389,7 +4382,36 @@
                       </a:r>
                     </a:p>
                   </a:txBody>
-                  <a:tcPr anchor="ctr"/>
+                  <a:tcPr anchor="ctr">
+                    <a:lnL w="12700" cap="flat" cmpd="sng" algn="ctr">
+                      <a:noFill/>
+                      <a:prstDash val="solid"/>
+                      <a:round/>
+                      <a:headEnd type="none" w="med" len="med"/>
+                      <a:tailEnd type="none" w="med" len="med"/>
+                    </a:lnL>
+                    <a:lnR w="12700" cap="flat" cmpd="sng" algn="ctr">
+                      <a:noFill/>
+                      <a:prstDash val="solid"/>
+                      <a:round/>
+                      <a:headEnd type="none" w="med" len="med"/>
+                      <a:tailEnd type="none" w="med" len="med"/>
+                    </a:lnR>
+                    <a:lnT w="12700" cap="flat" cmpd="sng" algn="ctr">
+                      <a:noFill/>
+                      <a:prstDash val="solid"/>
+                      <a:round/>
+                      <a:headEnd type="none" w="med" len="med"/>
+                      <a:tailEnd type="none" w="med" len="med"/>
+                    </a:lnT>
+                    <a:lnB w="12700" cap="flat" cmpd="sng" algn="ctr">
+                      <a:noFill/>
+                      <a:prstDash val="solid"/>
+                      <a:round/>
+                      <a:headEnd type="none" w="med" len="med"/>
+                      <a:tailEnd type="none" w="med" len="med"/>
+                    </a:lnB>
+                  </a:tcPr>
                 </a:tc>
                 <a:tc>
                   <a:txBody>
@@ -4399,20 +4421,32 @@
                       <a:pPr algn="ctr"/>
                       <a:r>
                         <a:rPr lang="es-PE" dirty="0"/>
-                        <a:t>55.36%</a:t>
+                        <a:t>51.68%</a:t>
                       </a:r>
                     </a:p>
                   </a:txBody>
                   <a:tcPr anchor="ctr">
-                    <a:lnR w="12700" cap="flat" cmpd="sng" algn="ctr">
-                      <a:solidFill>
-                        <a:schemeClr val="tx1"/>
-                      </a:solidFill>
-                      <a:prstDash val="solid"/>
-                      <a:round/>
-                      <a:headEnd type="none" w="med" len="med"/>
-                      <a:tailEnd type="none" w="med" len="med"/>
-                    </a:lnR>
+                    <a:lnL w="12700" cap="flat" cmpd="sng" algn="ctr">
+                      <a:noFill/>
+                      <a:prstDash val="solid"/>
+                      <a:round/>
+                      <a:headEnd type="none" w="med" len="med"/>
+                      <a:tailEnd type="none" w="med" len="med"/>
+                    </a:lnL>
+                    <a:lnT w="12700" cap="flat" cmpd="sng" algn="ctr">
+                      <a:noFill/>
+                      <a:prstDash val="solid"/>
+                      <a:round/>
+                      <a:headEnd type="none" w="med" len="med"/>
+                      <a:tailEnd type="none" w="med" len="med"/>
+                    </a:lnT>
+                    <a:lnB w="12700" cap="flat" cmpd="sng" algn="ctr">
+                      <a:noFill/>
+                      <a:prstDash val="solid"/>
+                      <a:round/>
+                      <a:headEnd type="none" w="med" len="med"/>
+                      <a:tailEnd type="none" w="med" len="med"/>
+                    </a:lnB>
                   </a:tcPr>
                 </a:tc>
                 <a:extLst>
@@ -4449,31 +4483,26 @@
                     <a:p>
                       <a:pPr algn="ctr"/>
                       <a:r>
-                        <a:rPr lang="es-PE" dirty="0" err="1"/>
+                        <a:rPr lang="es-PE" dirty="0"/>
                         <a:t>Precision</a:t>
                       </a:r>
-                      <a:endParaRPr lang="es-PE" dirty="0"/>
                     </a:p>
                   </a:txBody>
                   <a:tcPr anchor="ctr">
-                    <a:lnL w="12700" cap="flat" cmpd="sng" algn="ctr">
-                      <a:solidFill>
-                        <a:schemeClr val="tx1"/>
-                      </a:solidFill>
-                      <a:prstDash val="solid"/>
-                      <a:round/>
-                      <a:headEnd type="none" w="med" len="med"/>
-                      <a:tailEnd type="none" w="med" len="med"/>
-                    </a:lnL>
-                    <a:lnB w="12700" cap="flat" cmpd="sng" algn="ctr">
-                      <a:solidFill>
-                        <a:schemeClr val="tx1"/>
-                      </a:solidFill>
-                      <a:prstDash val="solid"/>
-                      <a:round/>
-                      <a:headEnd type="none" w="med" len="med"/>
-                      <a:tailEnd type="none" w="med" len="med"/>
-                    </a:lnB>
+                    <a:lnR w="12700" cap="flat" cmpd="sng" algn="ctr">
+                      <a:noFill/>
+                      <a:prstDash val="solid"/>
+                      <a:round/>
+                      <a:headEnd type="none" w="med" len="med"/>
+                      <a:tailEnd type="none" w="med" len="med"/>
+                    </a:lnR>
+                    <a:lnT w="12700" cap="flat" cmpd="sng" algn="ctr">
+                      <a:noFill/>
+                      <a:prstDash val="solid"/>
+                      <a:round/>
+                      <a:headEnd type="none" w="med" len="med"/>
+                      <a:tailEnd type="none" w="med" len="med"/>
+                    </a:lnT>
                   </a:tcPr>
                 </a:tc>
                 <a:tc>
@@ -4489,15 +4518,27 @@
                     </a:p>
                   </a:txBody>
                   <a:tcPr anchor="ctr">
-                    <a:lnB w="12700" cap="flat" cmpd="sng" algn="ctr">
-                      <a:solidFill>
-                        <a:schemeClr val="tx1"/>
-                      </a:solidFill>
-                      <a:prstDash val="solid"/>
-                      <a:round/>
-                      <a:headEnd type="none" w="med" len="med"/>
-                      <a:tailEnd type="none" w="med" len="med"/>
-                    </a:lnB>
+                    <a:lnL w="12700" cap="flat" cmpd="sng" algn="ctr">
+                      <a:noFill/>
+                      <a:prstDash val="solid"/>
+                      <a:round/>
+                      <a:headEnd type="none" w="med" len="med"/>
+                      <a:tailEnd type="none" w="med" len="med"/>
+                    </a:lnL>
+                    <a:lnR w="12700" cap="flat" cmpd="sng" algn="ctr">
+                      <a:noFill/>
+                      <a:prstDash val="solid"/>
+                      <a:round/>
+                      <a:headEnd type="none" w="med" len="med"/>
+                      <a:tailEnd type="none" w="med" len="med"/>
+                    </a:lnR>
+                    <a:lnT w="12700" cap="flat" cmpd="sng" algn="ctr">
+                      <a:noFill/>
+                      <a:prstDash val="solid"/>
+                      <a:round/>
+                      <a:headEnd type="none" w="med" len="med"/>
+                      <a:tailEnd type="none" w="med" len="med"/>
+                    </a:lnT>
                   </a:tcPr>
                 </a:tc>
                 <a:tc>
@@ -4513,15 +4554,27 @@
                     </a:p>
                   </a:txBody>
                   <a:tcPr anchor="ctr">
-                    <a:lnB w="12700" cap="flat" cmpd="sng" algn="ctr">
-                      <a:solidFill>
-                        <a:schemeClr val="tx1"/>
-                      </a:solidFill>
-                      <a:prstDash val="solid"/>
-                      <a:round/>
-                      <a:headEnd type="none" w="med" len="med"/>
-                      <a:tailEnd type="none" w="med" len="med"/>
-                    </a:lnB>
+                    <a:lnL w="12700" cap="flat" cmpd="sng" algn="ctr">
+                      <a:noFill/>
+                      <a:prstDash val="solid"/>
+                      <a:round/>
+                      <a:headEnd type="none" w="med" len="med"/>
+                      <a:tailEnd type="none" w="med" len="med"/>
+                    </a:lnL>
+                    <a:lnR w="12700" cap="flat" cmpd="sng" algn="ctr">
+                      <a:noFill/>
+                      <a:prstDash val="solid"/>
+                      <a:round/>
+                      <a:headEnd type="none" w="med" len="med"/>
+                      <a:tailEnd type="none" w="med" len="med"/>
+                    </a:lnR>
+                    <a:lnT w="12700" cap="flat" cmpd="sng" algn="ctr">
+                      <a:noFill/>
+                      <a:prstDash val="solid"/>
+                      <a:round/>
+                      <a:headEnd type="none" w="med" len="med"/>
+                      <a:tailEnd type="none" w="med" len="med"/>
+                    </a:lnT>
                   </a:tcPr>
                 </a:tc>
                 <a:tc>
@@ -4532,29 +4585,25 @@
                       <a:pPr algn="ctr"/>
                       <a:r>
                         <a:rPr lang="es-PE" dirty="0"/>
-                        <a:t>35.17%</a:t>
+                        <a:t>54.27%</a:t>
                       </a:r>
                     </a:p>
                   </a:txBody>
                   <a:tcPr anchor="ctr">
-                    <a:lnR w="12700" cap="flat" cmpd="sng" algn="ctr">
-                      <a:solidFill>
-                        <a:schemeClr val="tx1"/>
-                      </a:solidFill>
-                      <a:prstDash val="solid"/>
-                      <a:round/>
-                      <a:headEnd type="none" w="med" len="med"/>
-                      <a:tailEnd type="none" w="med" len="med"/>
-                    </a:lnR>
-                    <a:lnB w="12700" cap="flat" cmpd="sng" algn="ctr">
-                      <a:solidFill>
-                        <a:schemeClr val="tx1"/>
-                      </a:solidFill>
-                      <a:prstDash val="solid"/>
-                      <a:round/>
-                      <a:headEnd type="none" w="med" len="med"/>
-                      <a:tailEnd type="none" w="med" len="med"/>
-                    </a:lnB>
+                    <a:lnL w="12700" cap="flat" cmpd="sng" algn="ctr">
+                      <a:noFill/>
+                      <a:prstDash val="solid"/>
+                      <a:round/>
+                      <a:headEnd type="none" w="med" len="med"/>
+                      <a:tailEnd type="none" w="med" len="med"/>
+                    </a:lnL>
+                    <a:lnT w="12700" cap="flat" cmpd="sng" algn="ctr">
+                      <a:noFill/>
+                      <a:prstDash val="solid"/>
+                      <a:round/>
+                      <a:headEnd type="none" w="med" len="med"/>
+                      <a:tailEnd type="none" w="med" len="med"/>
+                    </a:lnT>
                   </a:tcPr>
                 </a:tc>
                 <a:extLst>
@@ -4587,58 +4636,42 @@
                     </a:p>
                   </a:txBody>
                   <a:tcPr anchor="ctr">
+                    <a:lnT w="12700" cap="flat" cmpd="sng" algn="ctr">
+                      <a:noFill/>
+                      <a:prstDash val="solid"/>
+                      <a:round/>
+                      <a:headEnd type="none" w="med" len="med"/>
+                      <a:tailEnd type="none" w="med" len="med"/>
+                    </a:lnT>
+                  </a:tcPr>
+                </a:tc>
+                <a:tc>
+                  <a:txBody>
+                    <a:bodyPr/>
+                    <a:lstStyle/>
+                    <a:p>
+                      <a:pPr algn="ctr"/>
+                      <a:r>
+                        <a:rPr lang="es-PE" dirty="0"/>
+                        <a:t>Accuracy</a:t>
+                      </a:r>
+                    </a:p>
+                  </a:txBody>
+                  <a:tcPr anchor="ctr">
                     <a:lnR w="12700" cap="flat" cmpd="sng" algn="ctr">
-                      <a:solidFill>
-                        <a:schemeClr val="tx1"/>
-                      </a:solidFill>
+                      <a:noFill/>
                       <a:prstDash val="solid"/>
                       <a:round/>
                       <a:headEnd type="none" w="med" len="med"/>
                       <a:tailEnd type="none" w="med" len="med"/>
                     </a:lnR>
                     <a:lnB w="12700" cap="flat" cmpd="sng" algn="ctr">
-                      <a:solidFill>
-                        <a:schemeClr val="tx1"/>
-                      </a:solidFill>
+                      <a:noFill/>
                       <a:prstDash val="solid"/>
                       <a:round/>
                       <a:headEnd type="none" w="med" len="med"/>
                       <a:tailEnd type="none" w="med" len="med"/>
                     </a:lnB>
-                  </a:tcPr>
-                </a:tc>
-                <a:tc>
-                  <a:txBody>
-                    <a:bodyPr/>
-                    <a:lstStyle/>
-                    <a:p>
-                      <a:pPr algn="ctr"/>
-                      <a:r>
-                        <a:rPr lang="es-PE" dirty="0" err="1"/>
-                        <a:t>Accuracy</a:t>
-                      </a:r>
-                      <a:endParaRPr lang="es-PE" dirty="0"/>
-                    </a:p>
-                  </a:txBody>
-                  <a:tcPr anchor="ctr">
-                    <a:lnL w="12700" cap="flat" cmpd="sng" algn="ctr">
-                      <a:solidFill>
-                        <a:schemeClr val="tx1"/>
-                      </a:solidFill>
-                      <a:prstDash val="solid"/>
-                      <a:round/>
-                      <a:headEnd type="none" w="med" len="med"/>
-                      <a:tailEnd type="none" w="med" len="med"/>
-                    </a:lnL>
-                    <a:lnT w="12700" cap="flat" cmpd="sng" algn="ctr">
-                      <a:solidFill>
-                        <a:schemeClr val="tx1"/>
-                      </a:solidFill>
-                      <a:prstDash val="solid"/>
-                      <a:round/>
-                      <a:headEnd type="none" w="med" len="med"/>
-                      <a:tailEnd type="none" w="med" len="med"/>
-                    </a:lnT>
                   </a:tcPr>
                 </a:tc>
                 <a:tc>
@@ -4654,15 +4687,27 @@
                     </a:p>
                   </a:txBody>
                   <a:tcPr anchor="ctr">
-                    <a:lnT w="12700" cap="flat" cmpd="sng" algn="ctr">
-                      <a:solidFill>
-                        <a:schemeClr val="tx1"/>
-                      </a:solidFill>
-                      <a:prstDash val="solid"/>
-                      <a:round/>
-                      <a:headEnd type="none" w="med" len="med"/>
-                      <a:tailEnd type="none" w="med" len="med"/>
-                    </a:lnT>
+                    <a:lnL w="12700" cap="flat" cmpd="sng" algn="ctr">
+                      <a:noFill/>
+                      <a:prstDash val="solid"/>
+                      <a:round/>
+                      <a:headEnd type="none" w="med" len="med"/>
+                      <a:tailEnd type="none" w="med" len="med"/>
+                    </a:lnL>
+                    <a:lnR w="12700" cap="flat" cmpd="sng" algn="ctr">
+                      <a:noFill/>
+                      <a:prstDash val="solid"/>
+                      <a:round/>
+                      <a:headEnd type="none" w="med" len="med"/>
+                      <a:tailEnd type="none" w="med" len="med"/>
+                    </a:lnR>
+                    <a:lnB w="12700" cap="flat" cmpd="sng" algn="ctr">
+                      <a:noFill/>
+                      <a:prstDash val="solid"/>
+                      <a:round/>
+                      <a:headEnd type="none" w="med" len="med"/>
+                      <a:tailEnd type="none" w="med" len="med"/>
+                    </a:lnB>
                   </a:tcPr>
                 </a:tc>
                 <a:tc>
@@ -4678,15 +4723,27 @@
                     </a:p>
                   </a:txBody>
                   <a:tcPr anchor="ctr">
-                    <a:lnT w="12700" cap="flat" cmpd="sng" algn="ctr">
-                      <a:solidFill>
-                        <a:schemeClr val="tx1"/>
-                      </a:solidFill>
-                      <a:prstDash val="solid"/>
-                      <a:round/>
-                      <a:headEnd type="none" w="med" len="med"/>
-                      <a:tailEnd type="none" w="med" len="med"/>
-                    </a:lnT>
+                    <a:lnL w="12700" cap="flat" cmpd="sng" algn="ctr">
+                      <a:noFill/>
+                      <a:prstDash val="solid"/>
+                      <a:round/>
+                      <a:headEnd type="none" w="med" len="med"/>
+                      <a:tailEnd type="none" w="med" len="med"/>
+                    </a:lnL>
+                    <a:lnR w="12700" cap="flat" cmpd="sng" algn="ctr">
+                      <a:noFill/>
+                      <a:prstDash val="solid"/>
+                      <a:round/>
+                      <a:headEnd type="none" w="med" len="med"/>
+                      <a:tailEnd type="none" w="med" len="med"/>
+                    </a:lnR>
+                    <a:lnB w="12700" cap="flat" cmpd="sng" algn="ctr">
+                      <a:noFill/>
+                      <a:prstDash val="solid"/>
+                      <a:round/>
+                      <a:headEnd type="none" w="med" len="med"/>
+                      <a:tailEnd type="none" w="med" len="med"/>
+                    </a:lnB>
                   </a:tcPr>
                 </a:tc>
                 <a:tc>
@@ -4702,24 +4759,20 @@
                     </a:p>
                   </a:txBody>
                   <a:tcPr anchor="ctr">
-                    <a:lnR w="12700" cap="flat" cmpd="sng" algn="ctr">
-                      <a:solidFill>
-                        <a:schemeClr val="tx1"/>
-                      </a:solidFill>
-                      <a:prstDash val="solid"/>
-                      <a:round/>
-                      <a:headEnd type="none" w="med" len="med"/>
-                      <a:tailEnd type="none" w="med" len="med"/>
-                    </a:lnR>
-                    <a:lnT w="12700" cap="flat" cmpd="sng" algn="ctr">
-                      <a:solidFill>
-                        <a:schemeClr val="tx1"/>
-                      </a:solidFill>
-                      <a:prstDash val="solid"/>
-                      <a:round/>
-                      <a:headEnd type="none" w="med" len="med"/>
-                      <a:tailEnd type="none" w="med" len="med"/>
-                    </a:lnT>
+                    <a:lnL w="12700" cap="flat" cmpd="sng" algn="ctr">
+                      <a:noFill/>
+                      <a:prstDash val="solid"/>
+                      <a:round/>
+                      <a:headEnd type="none" w="med" len="med"/>
+                      <a:tailEnd type="none" w="med" len="med"/>
+                    </a:lnL>
+                    <a:lnB w="12700" cap="flat" cmpd="sng" algn="ctr">
+                      <a:noFill/>
+                      <a:prstDash val="solid"/>
+                      <a:round/>
+                      <a:headEnd type="none" w="med" len="med"/>
+                      <a:tailEnd type="none" w="med" len="med"/>
+                    </a:lnB>
                   </a:tcPr>
                 </a:tc>
                 <a:extLst>
@@ -4756,22 +4809,33 @@
                     <a:p>
                       <a:pPr algn="ctr"/>
                       <a:r>
-                        <a:rPr lang="es-PE" dirty="0" err="1"/>
+                        <a:rPr lang="es-PE" dirty="0"/>
                         <a:t>Recall</a:t>
                       </a:r>
-                      <a:endParaRPr lang="es-PE" dirty="0"/>
                     </a:p>
                   </a:txBody>
                   <a:tcPr anchor="ctr">
-                    <a:lnL w="12700" cap="flat" cmpd="sng" algn="ctr">
-                      <a:solidFill>
-                        <a:schemeClr val="tx1"/>
-                      </a:solidFill>
-                      <a:prstDash val="solid"/>
-                      <a:round/>
-                      <a:headEnd type="none" w="med" len="med"/>
-                      <a:tailEnd type="none" w="med" len="med"/>
-                    </a:lnL>
+                    <a:lnR w="12700" cap="flat" cmpd="sng" algn="ctr">
+                      <a:noFill/>
+                      <a:prstDash val="solid"/>
+                      <a:round/>
+                      <a:headEnd type="none" w="med" len="med"/>
+                      <a:tailEnd type="none" w="med" len="med"/>
+                    </a:lnR>
+                    <a:lnT w="12700" cap="flat" cmpd="sng" algn="ctr">
+                      <a:noFill/>
+                      <a:prstDash val="solid"/>
+                      <a:round/>
+                      <a:headEnd type="none" w="med" len="med"/>
+                      <a:tailEnd type="none" w="med" len="med"/>
+                    </a:lnT>
+                    <a:lnB w="12700" cap="flat" cmpd="sng" algn="ctr">
+                      <a:noFill/>
+                      <a:prstDash val="solid"/>
+                      <a:round/>
+                      <a:headEnd type="none" w="med" len="med"/>
+                      <a:tailEnd type="none" w="med" len="med"/>
+                    </a:lnB>
                   </a:tcPr>
                 </a:tc>
                 <a:tc>
@@ -4786,7 +4850,36 @@
                       </a:r>
                     </a:p>
                   </a:txBody>
-                  <a:tcPr anchor="ctr"/>
+                  <a:tcPr anchor="ctr">
+                    <a:lnL w="12700" cap="flat" cmpd="sng" algn="ctr">
+                      <a:noFill/>
+                      <a:prstDash val="solid"/>
+                      <a:round/>
+                      <a:headEnd type="none" w="med" len="med"/>
+                      <a:tailEnd type="none" w="med" len="med"/>
+                    </a:lnL>
+                    <a:lnR w="12700" cap="flat" cmpd="sng" algn="ctr">
+                      <a:noFill/>
+                      <a:prstDash val="solid"/>
+                      <a:round/>
+                      <a:headEnd type="none" w="med" len="med"/>
+                      <a:tailEnd type="none" w="med" len="med"/>
+                    </a:lnR>
+                    <a:lnT w="12700" cap="flat" cmpd="sng" algn="ctr">
+                      <a:noFill/>
+                      <a:prstDash val="solid"/>
+                      <a:round/>
+                      <a:headEnd type="none" w="med" len="med"/>
+                      <a:tailEnd type="none" w="med" len="med"/>
+                    </a:lnT>
+                    <a:lnB w="12700" cap="flat" cmpd="sng" algn="ctr">
+                      <a:noFill/>
+                      <a:prstDash val="solid"/>
+                      <a:round/>
+                      <a:headEnd type="none" w="med" len="med"/>
+                      <a:tailEnd type="none" w="med" len="med"/>
+                    </a:lnB>
+                  </a:tcPr>
                 </a:tc>
                 <a:tc>
                   <a:txBody>
@@ -4800,7 +4893,36 @@
                       </a:r>
                     </a:p>
                   </a:txBody>
-                  <a:tcPr anchor="ctr"/>
+                  <a:tcPr anchor="ctr">
+                    <a:lnL w="12700" cap="flat" cmpd="sng" algn="ctr">
+                      <a:noFill/>
+                      <a:prstDash val="solid"/>
+                      <a:round/>
+                      <a:headEnd type="none" w="med" len="med"/>
+                      <a:tailEnd type="none" w="med" len="med"/>
+                    </a:lnL>
+                    <a:lnR w="12700" cap="flat" cmpd="sng" algn="ctr">
+                      <a:noFill/>
+                      <a:prstDash val="solid"/>
+                      <a:round/>
+                      <a:headEnd type="none" w="med" len="med"/>
+                      <a:tailEnd type="none" w="med" len="med"/>
+                    </a:lnR>
+                    <a:lnT w="12700" cap="flat" cmpd="sng" algn="ctr">
+                      <a:noFill/>
+                      <a:prstDash val="solid"/>
+                      <a:round/>
+                      <a:headEnd type="none" w="med" len="med"/>
+                      <a:tailEnd type="none" w="med" len="med"/>
+                    </a:lnT>
+                    <a:lnB w="12700" cap="flat" cmpd="sng" algn="ctr">
+                      <a:noFill/>
+                      <a:prstDash val="solid"/>
+                      <a:round/>
+                      <a:headEnd type="none" w="med" len="med"/>
+                      <a:tailEnd type="none" w="med" len="med"/>
+                    </a:lnB>
+                  </a:tcPr>
                 </a:tc>
                 <a:tc>
                   <a:txBody>
@@ -4815,15 +4937,27 @@
                     </a:p>
                   </a:txBody>
                   <a:tcPr anchor="ctr">
-                    <a:lnR w="12700" cap="flat" cmpd="sng" algn="ctr">
-                      <a:solidFill>
-                        <a:schemeClr val="tx1"/>
-                      </a:solidFill>
-                      <a:prstDash val="solid"/>
-                      <a:round/>
-                      <a:headEnd type="none" w="med" len="med"/>
-                      <a:tailEnd type="none" w="med" len="med"/>
-                    </a:lnR>
+                    <a:lnL w="12700" cap="flat" cmpd="sng" algn="ctr">
+                      <a:noFill/>
+                      <a:prstDash val="solid"/>
+                      <a:round/>
+                      <a:headEnd type="none" w="med" len="med"/>
+                      <a:tailEnd type="none" w="med" len="med"/>
+                    </a:lnL>
+                    <a:lnT w="12700" cap="flat" cmpd="sng" algn="ctr">
+                      <a:noFill/>
+                      <a:prstDash val="solid"/>
+                      <a:round/>
+                      <a:headEnd type="none" w="med" len="med"/>
+                      <a:tailEnd type="none" w="med" len="med"/>
+                    </a:lnT>
+                    <a:lnB w="12700" cap="flat" cmpd="sng" algn="ctr">
+                      <a:noFill/>
+                      <a:prstDash val="solid"/>
+                      <a:round/>
+                      <a:headEnd type="none" w="med" len="med"/>
+                      <a:tailEnd type="none" w="med" len="med"/>
+                    </a:lnB>
                   </a:tcPr>
                 </a:tc>
                 <a:extLst>
@@ -4860,31 +4994,26 @@
                     <a:p>
                       <a:pPr algn="ctr"/>
                       <a:r>
-                        <a:rPr lang="es-PE" dirty="0" err="1"/>
+                        <a:rPr lang="es-PE" dirty="0"/>
                         <a:t>Precision</a:t>
                       </a:r>
-                      <a:endParaRPr lang="es-PE" dirty="0"/>
                     </a:p>
                   </a:txBody>
                   <a:tcPr anchor="ctr">
-                    <a:lnL w="12700" cap="flat" cmpd="sng" algn="ctr">
-                      <a:solidFill>
-                        <a:schemeClr val="tx1"/>
-                      </a:solidFill>
-                      <a:prstDash val="solid"/>
-                      <a:round/>
-                      <a:headEnd type="none" w="med" len="med"/>
-                      <a:tailEnd type="none" w="med" len="med"/>
-                    </a:lnL>
-                    <a:lnB w="12700" cap="flat" cmpd="sng" algn="ctr">
-                      <a:solidFill>
-                        <a:schemeClr val="tx1"/>
-                      </a:solidFill>
-                      <a:prstDash val="solid"/>
-                      <a:round/>
-                      <a:headEnd type="none" w="med" len="med"/>
-                      <a:tailEnd type="none" w="med" len="med"/>
-                    </a:lnB>
+                    <a:lnR w="12700" cap="flat" cmpd="sng" algn="ctr">
+                      <a:noFill/>
+                      <a:prstDash val="solid"/>
+                      <a:round/>
+                      <a:headEnd type="none" w="med" len="med"/>
+                      <a:tailEnd type="none" w="med" len="med"/>
+                    </a:lnR>
+                    <a:lnT w="12700" cap="flat" cmpd="sng" algn="ctr">
+                      <a:noFill/>
+                      <a:prstDash val="solid"/>
+                      <a:round/>
+                      <a:headEnd type="none" w="med" len="med"/>
+                      <a:tailEnd type="none" w="med" len="med"/>
+                    </a:lnT>
                   </a:tcPr>
                 </a:tc>
                 <a:tc>
@@ -4900,15 +5029,27 @@
                     </a:p>
                   </a:txBody>
                   <a:tcPr anchor="ctr">
-                    <a:lnB w="12700" cap="flat" cmpd="sng" algn="ctr">
-                      <a:solidFill>
-                        <a:schemeClr val="tx1"/>
-                      </a:solidFill>
-                      <a:prstDash val="solid"/>
-                      <a:round/>
-                      <a:headEnd type="none" w="med" len="med"/>
-                      <a:tailEnd type="none" w="med" len="med"/>
-                    </a:lnB>
+                    <a:lnL w="12700" cap="flat" cmpd="sng" algn="ctr">
+                      <a:noFill/>
+                      <a:prstDash val="solid"/>
+                      <a:round/>
+                      <a:headEnd type="none" w="med" len="med"/>
+                      <a:tailEnd type="none" w="med" len="med"/>
+                    </a:lnL>
+                    <a:lnR w="12700" cap="flat" cmpd="sng" algn="ctr">
+                      <a:noFill/>
+                      <a:prstDash val="solid"/>
+                      <a:round/>
+                      <a:headEnd type="none" w="med" len="med"/>
+                      <a:tailEnd type="none" w="med" len="med"/>
+                    </a:lnR>
+                    <a:lnT w="12700" cap="flat" cmpd="sng" algn="ctr">
+                      <a:noFill/>
+                      <a:prstDash val="solid"/>
+                      <a:round/>
+                      <a:headEnd type="none" w="med" len="med"/>
+                      <a:tailEnd type="none" w="med" len="med"/>
+                    </a:lnT>
                   </a:tcPr>
                 </a:tc>
                 <a:tc>
@@ -4924,15 +5065,27 @@
                     </a:p>
                   </a:txBody>
                   <a:tcPr anchor="ctr">
-                    <a:lnB w="12700" cap="flat" cmpd="sng" algn="ctr">
-                      <a:solidFill>
-                        <a:schemeClr val="tx1"/>
-                      </a:solidFill>
-                      <a:prstDash val="solid"/>
-                      <a:round/>
-                      <a:headEnd type="none" w="med" len="med"/>
-                      <a:tailEnd type="none" w="med" len="med"/>
-                    </a:lnB>
+                    <a:lnL w="12700" cap="flat" cmpd="sng" algn="ctr">
+                      <a:noFill/>
+                      <a:prstDash val="solid"/>
+                      <a:round/>
+                      <a:headEnd type="none" w="med" len="med"/>
+                      <a:tailEnd type="none" w="med" len="med"/>
+                    </a:lnL>
+                    <a:lnR w="12700" cap="flat" cmpd="sng" algn="ctr">
+                      <a:noFill/>
+                      <a:prstDash val="solid"/>
+                      <a:round/>
+                      <a:headEnd type="none" w="med" len="med"/>
+                      <a:tailEnd type="none" w="med" len="med"/>
+                    </a:lnR>
+                    <a:lnT w="12700" cap="flat" cmpd="sng" algn="ctr">
+                      <a:noFill/>
+                      <a:prstDash val="solid"/>
+                      <a:round/>
+                      <a:headEnd type="none" w="med" len="med"/>
+                      <a:tailEnd type="none" w="med" len="med"/>
+                    </a:lnT>
                   </a:tcPr>
                 </a:tc>
                 <a:tc>
@@ -4948,24 +5101,20 @@
                     </a:p>
                   </a:txBody>
                   <a:tcPr anchor="ctr">
-                    <a:lnR w="12700" cap="flat" cmpd="sng" algn="ctr">
-                      <a:solidFill>
-                        <a:schemeClr val="tx1"/>
-                      </a:solidFill>
-                      <a:prstDash val="solid"/>
-                      <a:round/>
-                      <a:headEnd type="none" w="med" len="med"/>
-                      <a:tailEnd type="none" w="med" len="med"/>
-                    </a:lnR>
-                    <a:lnB w="12700" cap="flat" cmpd="sng" algn="ctr">
-                      <a:solidFill>
-                        <a:schemeClr val="tx1"/>
-                      </a:solidFill>
-                      <a:prstDash val="solid"/>
-                      <a:round/>
-                      <a:headEnd type="none" w="med" len="med"/>
-                      <a:tailEnd type="none" w="med" len="med"/>
-                    </a:lnB>
+                    <a:lnL w="12700" cap="flat" cmpd="sng" algn="ctr">
+                      <a:noFill/>
+                      <a:prstDash val="solid"/>
+                      <a:round/>
+                      <a:headEnd type="none" w="med" len="med"/>
+                      <a:tailEnd type="none" w="med" len="med"/>
+                    </a:lnL>
+                    <a:lnT w="12700" cap="flat" cmpd="sng" algn="ctr">
+                      <a:noFill/>
+                      <a:prstDash val="solid"/>
+                      <a:round/>
+                      <a:headEnd type="none" w="med" len="med"/>
+                      <a:tailEnd type="none" w="med" len="med"/>
+                    </a:lnT>
                   </a:tcPr>
                 </a:tc>
                 <a:extLst>
@@ -4983,39 +5132,11 @@
                       <a:pPr algn="ctr"/>
                       <a:r>
                         <a:rPr lang="es-PE" dirty="0"/>
-                        <a:t>Data set del estudio</a:t>
+                        <a:t>Dataset del estudio</a:t>
                       </a:r>
                     </a:p>
                   </a:txBody>
-                  <a:tcPr anchor="ctr">
-                    <a:lnL w="12700" cap="flat" cmpd="sng" algn="ctr">
-                      <a:solidFill>
-                        <a:schemeClr val="tx1"/>
-                      </a:solidFill>
-                      <a:prstDash val="solid"/>
-                      <a:round/>
-                      <a:headEnd type="none" w="med" len="med"/>
-                      <a:tailEnd type="none" w="med" len="med"/>
-                    </a:lnL>
-                    <a:lnT w="12700" cap="flat" cmpd="sng" algn="ctr">
-                      <a:solidFill>
-                        <a:schemeClr val="tx1"/>
-                      </a:solidFill>
-                      <a:prstDash val="solid"/>
-                      <a:round/>
-                      <a:headEnd type="none" w="med" len="med"/>
-                      <a:tailEnd type="none" w="med" len="med"/>
-                    </a:lnT>
-                    <a:lnB w="12700" cap="flat" cmpd="sng" algn="ctr">
-                      <a:solidFill>
-                        <a:schemeClr val="tx1"/>
-                      </a:solidFill>
-                      <a:prstDash val="solid"/>
-                      <a:round/>
-                      <a:headEnd type="none" w="med" len="med"/>
-                      <a:tailEnd type="none" w="med" len="med"/>
-                    </a:lnB>
-                  </a:tcPr>
+                  <a:tcPr anchor="ctr"/>
                 </a:tc>
                 <a:tc rowSpan="3">
                   <a:txBody>
@@ -5050,24 +5171,13 @@
                     </a:p>
                   </a:txBody>
                   <a:tcPr anchor="ctr">
-                    <a:lnR w="12700" cap="flat" cmpd="sng" algn="ctr">
-                      <a:solidFill>
-                        <a:schemeClr val="tx1"/>
-                      </a:solidFill>
-                      <a:prstDash val="solid"/>
-                      <a:round/>
-                      <a:headEnd type="none" w="med" len="med"/>
-                      <a:tailEnd type="none" w="med" len="med"/>
-                    </a:lnR>
-                    <a:lnT w="12700" cap="flat" cmpd="sng" algn="ctr">
-                      <a:solidFill>
-                        <a:schemeClr val="tx1"/>
-                      </a:solidFill>
-                      <a:prstDash val="solid"/>
-                      <a:round/>
-                      <a:headEnd type="none" w="med" len="med"/>
-                      <a:tailEnd type="none" w="med" len="med"/>
-                    </a:lnT>
+                    <a:lnB w="12700" cap="flat" cmpd="sng" algn="ctr">
+                      <a:noFill/>
+                      <a:prstDash val="solid"/>
+                      <a:round/>
+                      <a:headEnd type="none" w="med" len="med"/>
+                      <a:tailEnd type="none" w="med" len="med"/>
+                    </a:lnB>
                   </a:tcPr>
                 </a:tc>
                 <a:tc>
@@ -5077,31 +5187,26 @@
                     <a:p>
                       <a:pPr algn="ctr"/>
                       <a:r>
-                        <a:rPr lang="es-PE" dirty="0" err="1"/>
+                        <a:rPr lang="es-PE" dirty="0"/>
                         <a:t>Accuracy</a:t>
                       </a:r>
-                      <a:endParaRPr lang="es-PE" dirty="0"/>
                     </a:p>
                   </a:txBody>
                   <a:tcPr anchor="ctr">
-                    <a:lnL w="12700" cap="flat" cmpd="sng" algn="ctr">
-                      <a:solidFill>
-                        <a:schemeClr val="tx1"/>
-                      </a:solidFill>
-                      <a:prstDash val="solid"/>
-                      <a:round/>
-                      <a:headEnd type="none" w="med" len="med"/>
-                      <a:tailEnd type="none" w="med" len="med"/>
-                    </a:lnL>
-                    <a:lnT w="12700" cap="flat" cmpd="sng" algn="ctr">
-                      <a:solidFill>
-                        <a:schemeClr val="tx1"/>
-                      </a:solidFill>
-                      <a:prstDash val="solid"/>
-                      <a:round/>
-                      <a:headEnd type="none" w="med" len="med"/>
-                      <a:tailEnd type="none" w="med" len="med"/>
-                    </a:lnT>
+                    <a:lnR w="12700" cap="flat" cmpd="sng" algn="ctr">
+                      <a:noFill/>
+                      <a:prstDash val="solid"/>
+                      <a:round/>
+                      <a:headEnd type="none" w="med" len="med"/>
+                      <a:tailEnd type="none" w="med" len="med"/>
+                    </a:lnR>
+                    <a:lnB w="12700" cap="flat" cmpd="sng" algn="ctr">
+                      <a:noFill/>
+                      <a:prstDash val="solid"/>
+                      <a:round/>
+                      <a:headEnd type="none" w="med" len="med"/>
+                      <a:tailEnd type="none" w="med" len="med"/>
+                    </a:lnB>
                   </a:tcPr>
                 </a:tc>
                 <a:tc>
@@ -5117,15 +5222,27 @@
                     </a:p>
                   </a:txBody>
                   <a:tcPr anchor="ctr">
-                    <a:lnT w="12700" cap="flat" cmpd="sng" algn="ctr">
-                      <a:solidFill>
-                        <a:schemeClr val="tx1"/>
-                      </a:solidFill>
-                      <a:prstDash val="solid"/>
-                      <a:round/>
-                      <a:headEnd type="none" w="med" len="med"/>
-                      <a:tailEnd type="none" w="med" len="med"/>
-                    </a:lnT>
+                    <a:lnL w="12700" cap="flat" cmpd="sng" algn="ctr">
+                      <a:noFill/>
+                      <a:prstDash val="solid"/>
+                      <a:round/>
+                      <a:headEnd type="none" w="med" len="med"/>
+                      <a:tailEnd type="none" w="med" len="med"/>
+                    </a:lnL>
+                    <a:lnR w="12700" cap="flat" cmpd="sng" algn="ctr">
+                      <a:noFill/>
+                      <a:prstDash val="solid"/>
+                      <a:round/>
+                      <a:headEnd type="none" w="med" len="med"/>
+                      <a:tailEnd type="none" w="med" len="med"/>
+                    </a:lnR>
+                    <a:lnB w="12700" cap="flat" cmpd="sng" algn="ctr">
+                      <a:noFill/>
+                      <a:prstDash val="solid"/>
+                      <a:round/>
+                      <a:headEnd type="none" w="med" len="med"/>
+                      <a:tailEnd type="none" w="med" len="med"/>
+                    </a:lnB>
                   </a:tcPr>
                 </a:tc>
                 <a:tc>
@@ -5141,15 +5258,27 @@
                     </a:p>
                   </a:txBody>
                   <a:tcPr anchor="ctr">
-                    <a:lnT w="12700" cap="flat" cmpd="sng" algn="ctr">
-                      <a:solidFill>
-                        <a:schemeClr val="tx1"/>
-                      </a:solidFill>
-                      <a:prstDash val="solid"/>
-                      <a:round/>
-                      <a:headEnd type="none" w="med" len="med"/>
-                      <a:tailEnd type="none" w="med" len="med"/>
-                    </a:lnT>
+                    <a:lnL w="12700" cap="flat" cmpd="sng" algn="ctr">
+                      <a:noFill/>
+                      <a:prstDash val="solid"/>
+                      <a:round/>
+                      <a:headEnd type="none" w="med" len="med"/>
+                      <a:tailEnd type="none" w="med" len="med"/>
+                    </a:lnL>
+                    <a:lnR w="12700" cap="flat" cmpd="sng" algn="ctr">
+                      <a:noFill/>
+                      <a:prstDash val="solid"/>
+                      <a:round/>
+                      <a:headEnd type="none" w="med" len="med"/>
+                      <a:tailEnd type="none" w="med" len="med"/>
+                    </a:lnR>
+                    <a:lnB w="12700" cap="flat" cmpd="sng" algn="ctr">
+                      <a:noFill/>
+                      <a:prstDash val="solid"/>
+                      <a:round/>
+                      <a:headEnd type="none" w="med" len="med"/>
+                      <a:tailEnd type="none" w="med" len="med"/>
+                    </a:lnB>
                   </a:tcPr>
                 </a:tc>
                 <a:tc>
@@ -5165,24 +5294,20 @@
                     </a:p>
                   </a:txBody>
                   <a:tcPr anchor="ctr">
-                    <a:lnR w="12700" cap="flat" cmpd="sng" algn="ctr">
-                      <a:solidFill>
-                        <a:schemeClr val="tx1"/>
-                      </a:solidFill>
-                      <a:prstDash val="solid"/>
-                      <a:round/>
-                      <a:headEnd type="none" w="med" len="med"/>
-                      <a:tailEnd type="none" w="med" len="med"/>
-                    </a:lnR>
-                    <a:lnT w="12700" cap="flat" cmpd="sng" algn="ctr">
-                      <a:solidFill>
-                        <a:schemeClr val="tx1"/>
-                      </a:solidFill>
-                      <a:prstDash val="solid"/>
-                      <a:round/>
-                      <a:headEnd type="none" w="med" len="med"/>
-                      <a:tailEnd type="none" w="med" len="med"/>
-                    </a:lnT>
+                    <a:lnL w="12700" cap="flat" cmpd="sng" algn="ctr">
+                      <a:noFill/>
+                      <a:prstDash val="solid"/>
+                      <a:round/>
+                      <a:headEnd type="none" w="med" len="med"/>
+                      <a:tailEnd type="none" w="med" len="med"/>
+                    </a:lnL>
+                    <a:lnB w="12700" cap="flat" cmpd="sng" algn="ctr">
+                      <a:noFill/>
+                      <a:prstDash val="solid"/>
+                      <a:round/>
+                      <a:headEnd type="none" w="med" len="med"/>
+                      <a:tailEnd type="none" w="med" len="med"/>
+                    </a:lnB>
                   </a:tcPr>
                 </a:tc>
                 <a:extLst>
@@ -5220,22 +5345,33 @@
                     <a:p>
                       <a:pPr algn="ctr"/>
                       <a:r>
-                        <a:rPr lang="es-PE" dirty="0" err="1"/>
+                        <a:rPr lang="es-PE" dirty="0"/>
                         <a:t>Recall</a:t>
                       </a:r>
-                      <a:endParaRPr lang="es-PE" dirty="0"/>
                     </a:p>
                   </a:txBody>
                   <a:tcPr anchor="ctr">
-                    <a:lnL w="12700" cap="flat" cmpd="sng" algn="ctr">
-                      <a:solidFill>
-                        <a:schemeClr val="tx1"/>
-                      </a:solidFill>
-                      <a:prstDash val="solid"/>
-                      <a:round/>
-                      <a:headEnd type="none" w="med" len="med"/>
-                      <a:tailEnd type="none" w="med" len="med"/>
-                    </a:lnL>
+                    <a:lnR w="12700" cap="flat" cmpd="sng" algn="ctr">
+                      <a:noFill/>
+                      <a:prstDash val="solid"/>
+                      <a:round/>
+                      <a:headEnd type="none" w="med" len="med"/>
+                      <a:tailEnd type="none" w="med" len="med"/>
+                    </a:lnR>
+                    <a:lnT w="12700" cap="flat" cmpd="sng" algn="ctr">
+                      <a:noFill/>
+                      <a:prstDash val="solid"/>
+                      <a:round/>
+                      <a:headEnd type="none" w="med" len="med"/>
+                      <a:tailEnd type="none" w="med" len="med"/>
+                    </a:lnT>
+                    <a:lnB w="12700" cap="flat" cmpd="sng" algn="ctr">
+                      <a:noFill/>
+                      <a:prstDash val="solid"/>
+                      <a:round/>
+                      <a:headEnd type="none" w="med" len="med"/>
+                      <a:tailEnd type="none" w="med" len="med"/>
+                    </a:lnB>
                   </a:tcPr>
                 </a:tc>
                 <a:tc>
@@ -5250,7 +5386,36 @@
                       </a:r>
                     </a:p>
                   </a:txBody>
-                  <a:tcPr anchor="ctr"/>
+                  <a:tcPr anchor="ctr">
+                    <a:lnL w="12700" cap="flat" cmpd="sng" algn="ctr">
+                      <a:noFill/>
+                      <a:prstDash val="solid"/>
+                      <a:round/>
+                      <a:headEnd type="none" w="med" len="med"/>
+                      <a:tailEnd type="none" w="med" len="med"/>
+                    </a:lnL>
+                    <a:lnR w="12700" cap="flat" cmpd="sng" algn="ctr">
+                      <a:noFill/>
+                      <a:prstDash val="solid"/>
+                      <a:round/>
+                      <a:headEnd type="none" w="med" len="med"/>
+                      <a:tailEnd type="none" w="med" len="med"/>
+                    </a:lnR>
+                    <a:lnT w="12700" cap="flat" cmpd="sng" algn="ctr">
+                      <a:noFill/>
+                      <a:prstDash val="solid"/>
+                      <a:round/>
+                      <a:headEnd type="none" w="med" len="med"/>
+                      <a:tailEnd type="none" w="med" len="med"/>
+                    </a:lnT>
+                    <a:lnB w="12700" cap="flat" cmpd="sng" algn="ctr">
+                      <a:noFill/>
+                      <a:prstDash val="solid"/>
+                      <a:round/>
+                      <a:headEnd type="none" w="med" len="med"/>
+                      <a:tailEnd type="none" w="med" len="med"/>
+                    </a:lnB>
+                  </a:tcPr>
                 </a:tc>
                 <a:tc>
                   <a:txBody>
@@ -5264,7 +5429,36 @@
                       </a:r>
                     </a:p>
                   </a:txBody>
-                  <a:tcPr anchor="ctr"/>
+                  <a:tcPr anchor="ctr">
+                    <a:lnL w="12700" cap="flat" cmpd="sng" algn="ctr">
+                      <a:noFill/>
+                      <a:prstDash val="solid"/>
+                      <a:round/>
+                      <a:headEnd type="none" w="med" len="med"/>
+                      <a:tailEnd type="none" w="med" len="med"/>
+                    </a:lnL>
+                    <a:lnR w="12700" cap="flat" cmpd="sng" algn="ctr">
+                      <a:noFill/>
+                      <a:prstDash val="solid"/>
+                      <a:round/>
+                      <a:headEnd type="none" w="med" len="med"/>
+                      <a:tailEnd type="none" w="med" len="med"/>
+                    </a:lnR>
+                    <a:lnT w="12700" cap="flat" cmpd="sng" algn="ctr">
+                      <a:noFill/>
+                      <a:prstDash val="solid"/>
+                      <a:round/>
+                      <a:headEnd type="none" w="med" len="med"/>
+                      <a:tailEnd type="none" w="med" len="med"/>
+                    </a:lnT>
+                    <a:lnB w="12700" cap="flat" cmpd="sng" algn="ctr">
+                      <a:noFill/>
+                      <a:prstDash val="solid"/>
+                      <a:round/>
+                      <a:headEnd type="none" w="med" len="med"/>
+                      <a:tailEnd type="none" w="med" len="med"/>
+                    </a:lnB>
+                  </a:tcPr>
                 </a:tc>
                 <a:tc>
                   <a:txBody>
@@ -5279,15 +5473,27 @@
                     </a:p>
                   </a:txBody>
                   <a:tcPr anchor="ctr">
-                    <a:lnR w="12700" cap="flat" cmpd="sng" algn="ctr">
-                      <a:solidFill>
-                        <a:schemeClr val="tx1"/>
-                      </a:solidFill>
-                      <a:prstDash val="solid"/>
-                      <a:round/>
-                      <a:headEnd type="none" w="med" len="med"/>
-                      <a:tailEnd type="none" w="med" len="med"/>
-                    </a:lnR>
+                    <a:lnL w="12700" cap="flat" cmpd="sng" algn="ctr">
+                      <a:noFill/>
+                      <a:prstDash val="solid"/>
+                      <a:round/>
+                      <a:headEnd type="none" w="med" len="med"/>
+                      <a:tailEnd type="none" w="med" len="med"/>
+                    </a:lnL>
+                    <a:lnT w="12700" cap="flat" cmpd="sng" algn="ctr">
+                      <a:noFill/>
+                      <a:prstDash val="solid"/>
+                      <a:round/>
+                      <a:headEnd type="none" w="med" len="med"/>
+                      <a:tailEnd type="none" w="med" len="med"/>
+                    </a:lnT>
+                    <a:lnB w="12700" cap="flat" cmpd="sng" algn="ctr">
+                      <a:noFill/>
+                      <a:prstDash val="solid"/>
+                      <a:round/>
+                      <a:headEnd type="none" w="med" len="med"/>
+                      <a:tailEnd type="none" w="med" len="med"/>
+                    </a:lnB>
                   </a:tcPr>
                 </a:tc>
                 <a:extLst>
@@ -5325,31 +5531,26 @@
                     <a:p>
                       <a:pPr algn="ctr"/>
                       <a:r>
-                        <a:rPr lang="es-PE" dirty="0" err="1"/>
+                        <a:rPr lang="es-PE" dirty="0"/>
                         <a:t>Precision</a:t>
                       </a:r>
-                      <a:endParaRPr lang="es-PE" dirty="0"/>
                     </a:p>
                   </a:txBody>
                   <a:tcPr anchor="ctr">
-                    <a:lnL w="12700" cap="flat" cmpd="sng" algn="ctr">
-                      <a:solidFill>
-                        <a:schemeClr val="tx1"/>
-                      </a:solidFill>
-                      <a:prstDash val="solid"/>
-                      <a:round/>
-                      <a:headEnd type="none" w="med" len="med"/>
-                      <a:tailEnd type="none" w="med" len="med"/>
-                    </a:lnL>
-                    <a:lnB w="12700" cap="flat" cmpd="sng" algn="ctr">
-                      <a:solidFill>
-                        <a:schemeClr val="tx1"/>
-                      </a:solidFill>
-                      <a:prstDash val="solid"/>
-                      <a:round/>
-                      <a:headEnd type="none" w="med" len="med"/>
-                      <a:tailEnd type="none" w="med" len="med"/>
-                    </a:lnB>
+                    <a:lnR w="12700" cap="flat" cmpd="sng" algn="ctr">
+                      <a:noFill/>
+                      <a:prstDash val="solid"/>
+                      <a:round/>
+                      <a:headEnd type="none" w="med" len="med"/>
+                      <a:tailEnd type="none" w="med" len="med"/>
+                    </a:lnR>
+                    <a:lnT w="12700" cap="flat" cmpd="sng" algn="ctr">
+                      <a:noFill/>
+                      <a:prstDash val="solid"/>
+                      <a:round/>
+                      <a:headEnd type="none" w="med" len="med"/>
+                      <a:tailEnd type="none" w="med" len="med"/>
+                    </a:lnT>
                   </a:tcPr>
                 </a:tc>
                 <a:tc>
@@ -5365,15 +5566,27 @@
                     </a:p>
                   </a:txBody>
                   <a:tcPr anchor="ctr">
-                    <a:lnB w="12700" cap="flat" cmpd="sng" algn="ctr">
-                      <a:solidFill>
-                        <a:schemeClr val="tx1"/>
-                      </a:solidFill>
-                      <a:prstDash val="solid"/>
-                      <a:round/>
-                      <a:headEnd type="none" w="med" len="med"/>
-                      <a:tailEnd type="none" w="med" len="med"/>
-                    </a:lnB>
+                    <a:lnL w="12700" cap="flat" cmpd="sng" algn="ctr">
+                      <a:noFill/>
+                      <a:prstDash val="solid"/>
+                      <a:round/>
+                      <a:headEnd type="none" w="med" len="med"/>
+                      <a:tailEnd type="none" w="med" len="med"/>
+                    </a:lnL>
+                    <a:lnR w="12700" cap="flat" cmpd="sng" algn="ctr">
+                      <a:noFill/>
+                      <a:prstDash val="solid"/>
+                      <a:round/>
+                      <a:headEnd type="none" w="med" len="med"/>
+                      <a:tailEnd type="none" w="med" len="med"/>
+                    </a:lnR>
+                    <a:lnT w="12700" cap="flat" cmpd="sng" algn="ctr">
+                      <a:noFill/>
+                      <a:prstDash val="solid"/>
+                      <a:round/>
+                      <a:headEnd type="none" w="med" len="med"/>
+                      <a:tailEnd type="none" w="med" len="med"/>
+                    </a:lnT>
                   </a:tcPr>
                 </a:tc>
                 <a:tc>
@@ -5389,15 +5602,27 @@
                     </a:p>
                   </a:txBody>
                   <a:tcPr anchor="ctr">
-                    <a:lnB w="12700" cap="flat" cmpd="sng" algn="ctr">
-                      <a:solidFill>
-                        <a:schemeClr val="tx1"/>
-                      </a:solidFill>
-                      <a:prstDash val="solid"/>
-                      <a:round/>
-                      <a:headEnd type="none" w="med" len="med"/>
-                      <a:tailEnd type="none" w="med" len="med"/>
-                    </a:lnB>
+                    <a:lnL w="12700" cap="flat" cmpd="sng" algn="ctr">
+                      <a:noFill/>
+                      <a:prstDash val="solid"/>
+                      <a:round/>
+                      <a:headEnd type="none" w="med" len="med"/>
+                      <a:tailEnd type="none" w="med" len="med"/>
+                    </a:lnL>
+                    <a:lnR w="12700" cap="flat" cmpd="sng" algn="ctr">
+                      <a:noFill/>
+                      <a:prstDash val="solid"/>
+                      <a:round/>
+                      <a:headEnd type="none" w="med" len="med"/>
+                      <a:tailEnd type="none" w="med" len="med"/>
+                    </a:lnR>
+                    <a:lnT w="12700" cap="flat" cmpd="sng" algn="ctr">
+                      <a:noFill/>
+                      <a:prstDash val="solid"/>
+                      <a:round/>
+                      <a:headEnd type="none" w="med" len="med"/>
+                      <a:tailEnd type="none" w="med" len="med"/>
+                    </a:lnT>
                   </a:tcPr>
                 </a:tc>
                 <a:tc>
@@ -5413,24 +5638,20 @@
                     </a:p>
                   </a:txBody>
                   <a:tcPr anchor="ctr">
-                    <a:lnR w="12700" cap="flat" cmpd="sng" algn="ctr">
-                      <a:solidFill>
-                        <a:schemeClr val="tx1"/>
-                      </a:solidFill>
-                      <a:prstDash val="solid"/>
-                      <a:round/>
-                      <a:headEnd type="none" w="med" len="med"/>
-                      <a:tailEnd type="none" w="med" len="med"/>
-                    </a:lnR>
-                    <a:lnB w="12700" cap="flat" cmpd="sng" algn="ctr">
-                      <a:solidFill>
-                        <a:schemeClr val="tx1"/>
-                      </a:solidFill>
-                      <a:prstDash val="solid"/>
-                      <a:round/>
-                      <a:headEnd type="none" w="med" len="med"/>
-                      <a:tailEnd type="none" w="med" len="med"/>
-                    </a:lnB>
+                    <a:lnL w="12700" cap="flat" cmpd="sng" algn="ctr">
+                      <a:noFill/>
+                      <a:prstDash val="solid"/>
+                      <a:round/>
+                      <a:headEnd type="none" w="med" len="med"/>
+                      <a:tailEnd type="none" w="med" len="med"/>
+                    </a:lnL>
+                    <a:lnT w="12700" cap="flat" cmpd="sng" algn="ctr">
+                      <a:noFill/>
+                      <a:prstDash val="solid"/>
+                      <a:round/>
+                      <a:headEnd type="none" w="med" len="med"/>
+                      <a:tailEnd type="none" w="med" len="med"/>
+                    </a:lnT>
                   </a:tcPr>
                 </a:tc>
                 <a:extLst>
@@ -5484,58 +5705,42 @@
                     </a:p>
                   </a:txBody>
                   <a:tcPr anchor="ctr">
+                    <a:lnT w="12700" cap="flat" cmpd="sng" algn="ctr">
+                      <a:noFill/>
+                      <a:prstDash val="solid"/>
+                      <a:round/>
+                      <a:headEnd type="none" w="med" len="med"/>
+                      <a:tailEnd type="none" w="med" len="med"/>
+                    </a:lnT>
+                  </a:tcPr>
+                </a:tc>
+                <a:tc>
+                  <a:txBody>
+                    <a:bodyPr/>
+                    <a:lstStyle/>
+                    <a:p>
+                      <a:pPr algn="ctr"/>
+                      <a:r>
+                        <a:rPr lang="es-PE" dirty="0"/>
+                        <a:t>Accuracy</a:t>
+                      </a:r>
+                    </a:p>
+                  </a:txBody>
+                  <a:tcPr anchor="ctr">
                     <a:lnR w="12700" cap="flat" cmpd="sng" algn="ctr">
-                      <a:solidFill>
-                        <a:schemeClr val="tx1"/>
-                      </a:solidFill>
+                      <a:noFill/>
                       <a:prstDash val="solid"/>
                       <a:round/>
                       <a:headEnd type="none" w="med" len="med"/>
                       <a:tailEnd type="none" w="med" len="med"/>
                     </a:lnR>
                     <a:lnB w="12700" cap="flat" cmpd="sng" algn="ctr">
-                      <a:solidFill>
-                        <a:schemeClr val="tx1"/>
-                      </a:solidFill>
+                      <a:noFill/>
                       <a:prstDash val="solid"/>
                       <a:round/>
                       <a:headEnd type="none" w="med" len="med"/>
                       <a:tailEnd type="none" w="med" len="med"/>
                     </a:lnB>
-                  </a:tcPr>
-                </a:tc>
-                <a:tc>
-                  <a:txBody>
-                    <a:bodyPr/>
-                    <a:lstStyle/>
-                    <a:p>
-                      <a:pPr algn="ctr"/>
-                      <a:r>
-                        <a:rPr lang="es-PE" dirty="0" err="1"/>
-                        <a:t>Accuracy</a:t>
-                      </a:r>
-                      <a:endParaRPr lang="es-PE" dirty="0"/>
-                    </a:p>
-                  </a:txBody>
-                  <a:tcPr anchor="ctr">
-                    <a:lnL w="12700" cap="flat" cmpd="sng" algn="ctr">
-                      <a:solidFill>
-                        <a:schemeClr val="tx1"/>
-                      </a:solidFill>
-                      <a:prstDash val="solid"/>
-                      <a:round/>
-                      <a:headEnd type="none" w="med" len="med"/>
-                      <a:tailEnd type="none" w="med" len="med"/>
-                    </a:lnL>
-                    <a:lnT w="12700" cap="flat" cmpd="sng" algn="ctr">
-                      <a:solidFill>
-                        <a:schemeClr val="tx1"/>
-                      </a:solidFill>
-                      <a:prstDash val="solid"/>
-                      <a:round/>
-                      <a:headEnd type="none" w="med" len="med"/>
-                      <a:tailEnd type="none" w="med" len="med"/>
-                    </a:lnT>
                   </a:tcPr>
                 </a:tc>
                 <a:tc>
@@ -5551,15 +5756,27 @@
                     </a:p>
                   </a:txBody>
                   <a:tcPr anchor="ctr">
-                    <a:lnT w="12700" cap="flat" cmpd="sng" algn="ctr">
-                      <a:solidFill>
-                        <a:schemeClr val="tx1"/>
-                      </a:solidFill>
-                      <a:prstDash val="solid"/>
-                      <a:round/>
-                      <a:headEnd type="none" w="med" len="med"/>
-                      <a:tailEnd type="none" w="med" len="med"/>
-                    </a:lnT>
+                    <a:lnL w="12700" cap="flat" cmpd="sng" algn="ctr">
+                      <a:noFill/>
+                      <a:prstDash val="solid"/>
+                      <a:round/>
+                      <a:headEnd type="none" w="med" len="med"/>
+                      <a:tailEnd type="none" w="med" len="med"/>
+                    </a:lnL>
+                    <a:lnR w="12700" cap="flat" cmpd="sng" algn="ctr">
+                      <a:noFill/>
+                      <a:prstDash val="solid"/>
+                      <a:round/>
+                      <a:headEnd type="none" w="med" len="med"/>
+                      <a:tailEnd type="none" w="med" len="med"/>
+                    </a:lnR>
+                    <a:lnB w="12700" cap="flat" cmpd="sng" algn="ctr">
+                      <a:noFill/>
+                      <a:prstDash val="solid"/>
+                      <a:round/>
+                      <a:headEnd type="none" w="med" len="med"/>
+                      <a:tailEnd type="none" w="med" len="med"/>
+                    </a:lnB>
                   </a:tcPr>
                 </a:tc>
                 <a:tc>
@@ -5575,15 +5792,27 @@
                     </a:p>
                   </a:txBody>
                   <a:tcPr anchor="ctr">
-                    <a:lnT w="12700" cap="flat" cmpd="sng" algn="ctr">
-                      <a:solidFill>
-                        <a:schemeClr val="tx1"/>
-                      </a:solidFill>
-                      <a:prstDash val="solid"/>
-                      <a:round/>
-                      <a:headEnd type="none" w="med" len="med"/>
-                      <a:tailEnd type="none" w="med" len="med"/>
-                    </a:lnT>
+                    <a:lnL w="12700" cap="flat" cmpd="sng" algn="ctr">
+                      <a:noFill/>
+                      <a:prstDash val="solid"/>
+                      <a:round/>
+                      <a:headEnd type="none" w="med" len="med"/>
+                      <a:tailEnd type="none" w="med" len="med"/>
+                    </a:lnL>
+                    <a:lnR w="12700" cap="flat" cmpd="sng" algn="ctr">
+                      <a:noFill/>
+                      <a:prstDash val="solid"/>
+                      <a:round/>
+                      <a:headEnd type="none" w="med" len="med"/>
+                      <a:tailEnd type="none" w="med" len="med"/>
+                    </a:lnR>
+                    <a:lnB w="12700" cap="flat" cmpd="sng" algn="ctr">
+                      <a:noFill/>
+                      <a:prstDash val="solid"/>
+                      <a:round/>
+                      <a:headEnd type="none" w="med" len="med"/>
+                      <a:tailEnd type="none" w="med" len="med"/>
+                    </a:lnB>
                   </a:tcPr>
                 </a:tc>
                 <a:tc>
@@ -5599,24 +5828,20 @@
                     </a:p>
                   </a:txBody>
                   <a:tcPr anchor="ctr">
-                    <a:lnR w="12700" cap="flat" cmpd="sng" algn="ctr">
-                      <a:solidFill>
-                        <a:schemeClr val="tx1"/>
-                      </a:solidFill>
-                      <a:prstDash val="solid"/>
-                      <a:round/>
-                      <a:headEnd type="none" w="med" len="med"/>
-                      <a:tailEnd type="none" w="med" len="med"/>
-                    </a:lnR>
-                    <a:lnT w="12700" cap="flat" cmpd="sng" algn="ctr">
-                      <a:solidFill>
-                        <a:schemeClr val="tx1"/>
-                      </a:solidFill>
-                      <a:prstDash val="solid"/>
-                      <a:round/>
-                      <a:headEnd type="none" w="med" len="med"/>
-                      <a:tailEnd type="none" w="med" len="med"/>
-                    </a:lnT>
+                    <a:lnL w="12700" cap="flat" cmpd="sng" algn="ctr">
+                      <a:noFill/>
+                      <a:prstDash val="solid"/>
+                      <a:round/>
+                      <a:headEnd type="none" w="med" len="med"/>
+                      <a:tailEnd type="none" w="med" len="med"/>
+                    </a:lnL>
+                    <a:lnB w="12700" cap="flat" cmpd="sng" algn="ctr">
+                      <a:noFill/>
+                      <a:prstDash val="solid"/>
+                      <a:round/>
+                      <a:headEnd type="none" w="med" len="med"/>
+                      <a:tailEnd type="none" w="med" len="med"/>
+                    </a:lnB>
                   </a:tcPr>
                 </a:tc>
                 <a:extLst>
@@ -5654,22 +5879,33 @@
                     <a:p>
                       <a:pPr algn="ctr"/>
                       <a:r>
-                        <a:rPr lang="es-PE" dirty="0" err="1"/>
+                        <a:rPr lang="es-PE" dirty="0"/>
                         <a:t>Recall</a:t>
                       </a:r>
-                      <a:endParaRPr lang="es-PE" dirty="0"/>
                     </a:p>
                   </a:txBody>
                   <a:tcPr anchor="ctr">
-                    <a:lnL w="12700" cap="flat" cmpd="sng" algn="ctr">
-                      <a:solidFill>
-                        <a:schemeClr val="tx1"/>
-                      </a:solidFill>
-                      <a:prstDash val="solid"/>
-                      <a:round/>
-                      <a:headEnd type="none" w="med" len="med"/>
-                      <a:tailEnd type="none" w="med" len="med"/>
-                    </a:lnL>
+                    <a:lnR w="12700" cap="flat" cmpd="sng" algn="ctr">
+                      <a:noFill/>
+                      <a:prstDash val="solid"/>
+                      <a:round/>
+                      <a:headEnd type="none" w="med" len="med"/>
+                      <a:tailEnd type="none" w="med" len="med"/>
+                    </a:lnR>
+                    <a:lnT w="12700" cap="flat" cmpd="sng" algn="ctr">
+                      <a:noFill/>
+                      <a:prstDash val="solid"/>
+                      <a:round/>
+                      <a:headEnd type="none" w="med" len="med"/>
+                      <a:tailEnd type="none" w="med" len="med"/>
+                    </a:lnT>
+                    <a:lnB w="12700" cap="flat" cmpd="sng" algn="ctr">
+                      <a:noFill/>
+                      <a:prstDash val="solid"/>
+                      <a:round/>
+                      <a:headEnd type="none" w="med" len="med"/>
+                      <a:tailEnd type="none" w="med" len="med"/>
+                    </a:lnB>
                   </a:tcPr>
                 </a:tc>
                 <a:tc>
@@ -5684,7 +5920,36 @@
                       </a:r>
                     </a:p>
                   </a:txBody>
-                  <a:tcPr anchor="ctr"/>
+                  <a:tcPr anchor="ctr">
+                    <a:lnL w="12700" cap="flat" cmpd="sng" algn="ctr">
+                      <a:noFill/>
+                      <a:prstDash val="solid"/>
+                      <a:round/>
+                      <a:headEnd type="none" w="med" len="med"/>
+                      <a:tailEnd type="none" w="med" len="med"/>
+                    </a:lnL>
+                    <a:lnR w="12700" cap="flat" cmpd="sng" algn="ctr">
+                      <a:noFill/>
+                      <a:prstDash val="solid"/>
+                      <a:round/>
+                      <a:headEnd type="none" w="med" len="med"/>
+                      <a:tailEnd type="none" w="med" len="med"/>
+                    </a:lnR>
+                    <a:lnT w="12700" cap="flat" cmpd="sng" algn="ctr">
+                      <a:noFill/>
+                      <a:prstDash val="solid"/>
+                      <a:round/>
+                      <a:headEnd type="none" w="med" len="med"/>
+                      <a:tailEnd type="none" w="med" len="med"/>
+                    </a:lnT>
+                    <a:lnB w="12700" cap="flat" cmpd="sng" algn="ctr">
+                      <a:noFill/>
+                      <a:prstDash val="solid"/>
+                      <a:round/>
+                      <a:headEnd type="none" w="med" len="med"/>
+                      <a:tailEnd type="none" w="med" len="med"/>
+                    </a:lnB>
+                  </a:tcPr>
                 </a:tc>
                 <a:tc>
                   <a:txBody>
@@ -5698,7 +5963,36 @@
                       </a:r>
                     </a:p>
                   </a:txBody>
-                  <a:tcPr anchor="ctr"/>
+                  <a:tcPr anchor="ctr">
+                    <a:lnL w="12700" cap="flat" cmpd="sng" algn="ctr">
+                      <a:noFill/>
+                      <a:prstDash val="solid"/>
+                      <a:round/>
+                      <a:headEnd type="none" w="med" len="med"/>
+                      <a:tailEnd type="none" w="med" len="med"/>
+                    </a:lnL>
+                    <a:lnR w="12700" cap="flat" cmpd="sng" algn="ctr">
+                      <a:noFill/>
+                      <a:prstDash val="solid"/>
+                      <a:round/>
+                      <a:headEnd type="none" w="med" len="med"/>
+                      <a:tailEnd type="none" w="med" len="med"/>
+                    </a:lnR>
+                    <a:lnT w="12700" cap="flat" cmpd="sng" algn="ctr">
+                      <a:noFill/>
+                      <a:prstDash val="solid"/>
+                      <a:round/>
+                      <a:headEnd type="none" w="med" len="med"/>
+                      <a:tailEnd type="none" w="med" len="med"/>
+                    </a:lnT>
+                    <a:lnB w="12700" cap="flat" cmpd="sng" algn="ctr">
+                      <a:noFill/>
+                      <a:prstDash val="solid"/>
+                      <a:round/>
+                      <a:headEnd type="none" w="med" len="med"/>
+                      <a:tailEnd type="none" w="med" len="med"/>
+                    </a:lnB>
+                  </a:tcPr>
                 </a:tc>
                 <a:tc>
                   <a:txBody>
@@ -5713,15 +6007,27 @@
                     </a:p>
                   </a:txBody>
                   <a:tcPr anchor="ctr">
-                    <a:lnR w="12700" cap="flat" cmpd="sng" algn="ctr">
-                      <a:solidFill>
-                        <a:schemeClr val="tx1"/>
-                      </a:solidFill>
-                      <a:prstDash val="solid"/>
-                      <a:round/>
-                      <a:headEnd type="none" w="med" len="med"/>
-                      <a:tailEnd type="none" w="med" len="med"/>
-                    </a:lnR>
+                    <a:lnL w="12700" cap="flat" cmpd="sng" algn="ctr">
+                      <a:noFill/>
+                      <a:prstDash val="solid"/>
+                      <a:round/>
+                      <a:headEnd type="none" w="med" len="med"/>
+                      <a:tailEnd type="none" w="med" len="med"/>
+                    </a:lnL>
+                    <a:lnT w="12700" cap="flat" cmpd="sng" algn="ctr">
+                      <a:noFill/>
+                      <a:prstDash val="solid"/>
+                      <a:round/>
+                      <a:headEnd type="none" w="med" len="med"/>
+                      <a:tailEnd type="none" w="med" len="med"/>
+                    </a:lnT>
+                    <a:lnB w="12700" cap="flat" cmpd="sng" algn="ctr">
+                      <a:noFill/>
+                      <a:prstDash val="solid"/>
+                      <a:round/>
+                      <a:headEnd type="none" w="med" len="med"/>
+                      <a:tailEnd type="none" w="med" len="med"/>
+                    </a:lnB>
                   </a:tcPr>
                 </a:tc>
                 <a:extLst>
@@ -5759,31 +6065,26 @@
                     <a:p>
                       <a:pPr algn="ctr"/>
                       <a:r>
-                        <a:rPr lang="es-PE" dirty="0" err="1"/>
+                        <a:rPr lang="es-PE" dirty="0"/>
                         <a:t>Precision</a:t>
                       </a:r>
-                      <a:endParaRPr lang="es-PE" dirty="0"/>
                     </a:p>
                   </a:txBody>
                   <a:tcPr anchor="ctr">
-                    <a:lnL w="12700" cap="flat" cmpd="sng" algn="ctr">
-                      <a:solidFill>
-                        <a:schemeClr val="tx1"/>
-                      </a:solidFill>
-                      <a:prstDash val="solid"/>
-                      <a:round/>
-                      <a:headEnd type="none" w="med" len="med"/>
-                      <a:tailEnd type="none" w="med" len="med"/>
-                    </a:lnL>
-                    <a:lnB w="12700" cap="flat" cmpd="sng" algn="ctr">
-                      <a:solidFill>
-                        <a:schemeClr val="tx1"/>
-                      </a:solidFill>
-                      <a:prstDash val="solid"/>
-                      <a:round/>
-                      <a:headEnd type="none" w="med" len="med"/>
-                      <a:tailEnd type="none" w="med" len="med"/>
-                    </a:lnB>
+                    <a:lnR w="12700" cap="flat" cmpd="sng" algn="ctr">
+                      <a:noFill/>
+                      <a:prstDash val="solid"/>
+                      <a:round/>
+                      <a:headEnd type="none" w="med" len="med"/>
+                      <a:tailEnd type="none" w="med" len="med"/>
+                    </a:lnR>
+                    <a:lnT w="12700" cap="flat" cmpd="sng" algn="ctr">
+                      <a:noFill/>
+                      <a:prstDash val="solid"/>
+                      <a:round/>
+                      <a:headEnd type="none" w="med" len="med"/>
+                      <a:tailEnd type="none" w="med" len="med"/>
+                    </a:lnT>
                   </a:tcPr>
                 </a:tc>
                 <a:tc>
@@ -5800,15 +6101,27 @@
                     </a:p>
                   </a:txBody>
                   <a:tcPr anchor="ctr">
-                    <a:lnB w="12700" cap="flat" cmpd="sng" algn="ctr">
-                      <a:solidFill>
-                        <a:schemeClr val="tx1"/>
-                      </a:solidFill>
-                      <a:prstDash val="solid"/>
-                      <a:round/>
-                      <a:headEnd type="none" w="med" len="med"/>
-                      <a:tailEnd type="none" w="med" len="med"/>
-                    </a:lnB>
+                    <a:lnL w="12700" cap="flat" cmpd="sng" algn="ctr">
+                      <a:noFill/>
+                      <a:prstDash val="solid"/>
+                      <a:round/>
+                      <a:headEnd type="none" w="med" len="med"/>
+                      <a:tailEnd type="none" w="med" len="med"/>
+                    </a:lnL>
+                    <a:lnR w="12700" cap="flat" cmpd="sng" algn="ctr">
+                      <a:noFill/>
+                      <a:prstDash val="solid"/>
+                      <a:round/>
+                      <a:headEnd type="none" w="med" len="med"/>
+                      <a:tailEnd type="none" w="med" len="med"/>
+                    </a:lnR>
+                    <a:lnT w="12700" cap="flat" cmpd="sng" algn="ctr">
+                      <a:noFill/>
+                      <a:prstDash val="solid"/>
+                      <a:round/>
+                      <a:headEnd type="none" w="med" len="med"/>
+                      <a:tailEnd type="none" w="med" len="med"/>
+                    </a:lnT>
                   </a:tcPr>
                 </a:tc>
                 <a:tc>
@@ -5824,15 +6137,27 @@
                     </a:p>
                   </a:txBody>
                   <a:tcPr anchor="ctr">
-                    <a:lnB w="12700" cap="flat" cmpd="sng" algn="ctr">
-                      <a:solidFill>
-                        <a:schemeClr val="tx1"/>
-                      </a:solidFill>
-                      <a:prstDash val="solid"/>
-                      <a:round/>
-                      <a:headEnd type="none" w="med" len="med"/>
-                      <a:tailEnd type="none" w="med" len="med"/>
-                    </a:lnB>
+                    <a:lnL w="12700" cap="flat" cmpd="sng" algn="ctr">
+                      <a:noFill/>
+                      <a:prstDash val="solid"/>
+                      <a:round/>
+                      <a:headEnd type="none" w="med" len="med"/>
+                      <a:tailEnd type="none" w="med" len="med"/>
+                    </a:lnL>
+                    <a:lnR w="12700" cap="flat" cmpd="sng" algn="ctr">
+                      <a:noFill/>
+                      <a:prstDash val="solid"/>
+                      <a:round/>
+                      <a:headEnd type="none" w="med" len="med"/>
+                      <a:tailEnd type="none" w="med" len="med"/>
+                    </a:lnR>
+                    <a:lnT w="12700" cap="flat" cmpd="sng" algn="ctr">
+                      <a:noFill/>
+                      <a:prstDash val="solid"/>
+                      <a:round/>
+                      <a:headEnd type="none" w="med" len="med"/>
+                      <a:tailEnd type="none" w="med" len="med"/>
+                    </a:lnT>
                   </a:tcPr>
                 </a:tc>
                 <a:tc>
@@ -5848,29 +6173,102 @@
                     </a:p>
                   </a:txBody>
                   <a:tcPr anchor="ctr">
-                    <a:lnR w="12700" cap="flat" cmpd="sng" algn="ctr">
-                      <a:solidFill>
-                        <a:schemeClr val="tx1"/>
-                      </a:solidFill>
-                      <a:prstDash val="solid"/>
-                      <a:round/>
-                      <a:headEnd type="none" w="med" len="med"/>
-                      <a:tailEnd type="none" w="med" len="med"/>
-                    </a:lnR>
-                    <a:lnB w="12700" cap="flat" cmpd="sng" algn="ctr">
-                      <a:solidFill>
-                        <a:schemeClr val="tx1"/>
-                      </a:solidFill>
-                      <a:prstDash val="solid"/>
-                      <a:round/>
-                      <a:headEnd type="none" w="med" len="med"/>
-                      <a:tailEnd type="none" w="med" len="med"/>
-                    </a:lnB>
+                    <a:lnL w="12700" cap="flat" cmpd="sng" algn="ctr">
+                      <a:noFill/>
+                      <a:prstDash val="solid"/>
+                      <a:round/>
+                      <a:headEnd type="none" w="med" len="med"/>
+                      <a:tailEnd type="none" w="med" len="med"/>
+                    </a:lnL>
+                    <a:lnT w="12700" cap="flat" cmpd="sng" algn="ctr">
+                      <a:noFill/>
+                      <a:prstDash val="solid"/>
+                      <a:round/>
+                      <a:headEnd type="none" w="med" len="med"/>
+                      <a:tailEnd type="none" w="med" len="med"/>
+                    </a:lnT>
                   </a:tcPr>
                 </a:tc>
                 <a:extLst>
                   <a:ext uri="{0D108BD9-81ED-4DB2-BD59-A6C34878D82A}">
                     <a16:rowId xmlns:a16="http://schemas.microsoft.com/office/drawing/2014/main" val="36607796"/>
+                  </a:ext>
+                </a:extLst>
+              </a:tr>
+            </a:tbl>
+          </a:graphicData>
+        </a:graphic>
+      </p:graphicFrame>
+      <p:graphicFrame>
+        <p:nvGraphicFramePr>
+          <p:cNvPr id="3" name="Tabla 2">
+            <a:extLst>
+              <a:ext uri="{FF2B5EF4-FFF2-40B4-BE49-F238E27FC236}">
+                <a16:creationId xmlns:a16="http://schemas.microsoft.com/office/drawing/2014/main" id="{37BC608C-E3C8-6D5E-F943-23A5DDC34F50}"/>
+              </a:ext>
+            </a:extLst>
+          </p:cNvPr>
+          <p:cNvGraphicFramePr>
+            <a:graphicFrameLocks noGrp="1"/>
+          </p:cNvGraphicFramePr>
+          <p:nvPr/>
+        </p:nvGraphicFramePr>
+        <p:xfrm>
+          <a:off x="1095153" y="1095153"/>
+          <a:ext cx="208280" cy="584791"/>
+        </p:xfrm>
+        <a:graphic>
+          <a:graphicData uri="http://schemas.openxmlformats.org/drawingml/2006/table">
+            <a:tbl>
+              <a:tblPr/>
+              <a:tblGrid>
+                <a:gridCol w="208280">
+                  <a:extLst>
+                    <a:ext uri="{9D8B030D-6E8A-4147-A177-3AD203B41FA5}">
+                      <a16:colId xmlns:a16="http://schemas.microsoft.com/office/drawing/2014/main" val="45326776"/>
+                    </a:ext>
+                  </a:extLst>
+                </a:gridCol>
+              </a:tblGrid>
+              <a:tr h="584791">
+                <a:tc>
+                  <a:txBody>
+                    <a:bodyPr/>
+                    <a:lstStyle/>
+                    <a:p>
+                      <a:endParaRPr lang="es-PE" dirty="0"/>
+                    </a:p>
+                  </a:txBody>
+                  <a:tcPr>
+                    <a:lnL w="12700" cmpd="sng">
+                      <a:solidFill>
+                        <a:schemeClr val="bg1"/>
+                      </a:solidFill>
+                      <a:prstDash val="solid"/>
+                    </a:lnL>
+                    <a:lnR w="12700" cmpd="sng">
+                      <a:solidFill>
+                        <a:schemeClr val="bg1"/>
+                      </a:solidFill>
+                      <a:prstDash val="solid"/>
+                    </a:lnR>
+                    <a:lnT w="12700" cmpd="sng">
+                      <a:solidFill>
+                        <a:schemeClr val="bg1"/>
+                      </a:solidFill>
+                      <a:prstDash val="solid"/>
+                    </a:lnT>
+                    <a:lnB w="12700" cmpd="sng">
+                      <a:solidFill>
+                        <a:schemeClr val="bg1"/>
+                      </a:solidFill>
+                      <a:prstDash val="solid"/>
+                    </a:lnB>
+                  </a:tcPr>
+                </a:tc>
+                <a:extLst>
+                  <a:ext uri="{0D108BD9-81ED-4DB2-BD59-A6C34878D82A}">
+                    <a16:rowId xmlns:a16="http://schemas.microsoft.com/office/drawing/2014/main" val="3063851020"/>
                   </a:ext>
                 </a:extLst>
               </a:tr>

--- a/Docs/3.4Evaluación de resultados.pptx
+++ b/Docs/3.4Evaluación de resultados.pptx
@@ -106,6 +106,11 @@
       </a:defRPr>
     </a:lvl9pPr>
   </p:defaultTextStyle>
+  <p:extLst>
+    <p:ext uri="{EFAFB233-063F-42B5-8137-9DF3F51BA10A}">
+      <p15:sldGuideLst xmlns:p15="http://schemas.microsoft.com/office/powerpoint/2012/main"/>
+    </p:ext>
+  </p:extLst>
 </p:presentation>
 </file>
 
@@ -335,7 +340,7 @@
           <a:p>
             <a:fld id="{78BDB4D9-4BD4-474B-AD71-B86B2305AA5C}" type="datetimeFigureOut">
               <a:rPr lang="es-PE" smtClean="0"/>
-              <a:t>3/07/2022</a:t>
+              <a:t>04/07/2022</a:t>
             </a:fld>
             <a:endParaRPr lang="es-PE"/>
           </a:p>
@@ -543,7 +548,7 @@
           <a:p>
             <a:fld id="{78BDB4D9-4BD4-474B-AD71-B86B2305AA5C}" type="datetimeFigureOut">
               <a:rPr lang="es-PE" smtClean="0"/>
-              <a:t>3/07/2022</a:t>
+              <a:t>04/07/2022</a:t>
             </a:fld>
             <a:endParaRPr lang="es-PE"/>
           </a:p>
@@ -799,7 +804,7 @@
           <a:p>
             <a:fld id="{78BDB4D9-4BD4-474B-AD71-B86B2305AA5C}" type="datetimeFigureOut">
               <a:rPr lang="es-PE" smtClean="0"/>
-              <a:t>3/07/2022</a:t>
+              <a:t>04/07/2022</a:t>
             </a:fld>
             <a:endParaRPr lang="es-PE"/>
           </a:p>
@@ -973,7 +978,7 @@
           <a:p>
             <a:fld id="{78BDB4D9-4BD4-474B-AD71-B86B2305AA5C}" type="datetimeFigureOut">
               <a:rPr lang="es-PE" smtClean="0"/>
-              <a:t>3/07/2022</a:t>
+              <a:t>04/07/2022</a:t>
             </a:fld>
             <a:endParaRPr lang="es-PE"/>
           </a:p>
@@ -1316,7 +1321,7 @@
           <a:p>
             <a:fld id="{78BDB4D9-4BD4-474B-AD71-B86B2305AA5C}" type="datetimeFigureOut">
               <a:rPr lang="es-PE" smtClean="0"/>
-              <a:t>3/07/2022</a:t>
+              <a:t>04/07/2022</a:t>
             </a:fld>
             <a:endParaRPr lang="es-PE"/>
           </a:p>
@@ -1591,7 +1596,7 @@
           <a:p>
             <a:fld id="{78BDB4D9-4BD4-474B-AD71-B86B2305AA5C}" type="datetimeFigureOut">
               <a:rPr lang="es-PE" smtClean="0"/>
-              <a:t>3/07/2022</a:t>
+              <a:t>04/07/2022</a:t>
             </a:fld>
             <a:endParaRPr lang="es-PE"/>
           </a:p>
@@ -1970,7 +1975,7 @@
           <a:p>
             <a:fld id="{78BDB4D9-4BD4-474B-AD71-B86B2305AA5C}" type="datetimeFigureOut">
               <a:rPr lang="es-PE" smtClean="0"/>
-              <a:t>3/07/2022</a:t>
+              <a:t>04/07/2022</a:t>
             </a:fld>
             <a:endParaRPr lang="es-PE"/>
           </a:p>
@@ -2088,7 +2093,7 @@
           <a:p>
             <a:fld id="{78BDB4D9-4BD4-474B-AD71-B86B2305AA5C}" type="datetimeFigureOut">
               <a:rPr lang="es-PE" smtClean="0"/>
-              <a:t>3/07/2022</a:t>
+              <a:t>04/07/2022</a:t>
             </a:fld>
             <a:endParaRPr lang="es-PE"/>
           </a:p>
@@ -2259,7 +2264,7 @@
           <a:p>
             <a:fld id="{78BDB4D9-4BD4-474B-AD71-B86B2305AA5C}" type="datetimeFigureOut">
               <a:rPr lang="es-PE" smtClean="0"/>
-              <a:t>3/07/2022</a:t>
+              <a:t>04/07/2022</a:t>
             </a:fld>
             <a:endParaRPr lang="es-PE"/>
           </a:p>
@@ -2613,7 +2618,7 @@
           <a:p>
             <a:fld id="{78BDB4D9-4BD4-474B-AD71-B86B2305AA5C}" type="datetimeFigureOut">
               <a:rPr lang="es-PE" smtClean="0"/>
-              <a:t>3/07/2022</a:t>
+              <a:t>04/07/2022</a:t>
             </a:fld>
             <a:endParaRPr lang="es-PE"/>
           </a:p>
@@ -2995,7 +3000,7 @@
           <a:p>
             <a:fld id="{78BDB4D9-4BD4-474B-AD71-B86B2305AA5C}" type="datetimeFigureOut">
               <a:rPr lang="es-PE" smtClean="0"/>
-              <a:t>3/07/2022</a:t>
+              <a:t>04/07/2022</a:t>
             </a:fld>
             <a:endParaRPr lang="es-PE"/>
           </a:p>
@@ -3282,7 +3287,7 @@
           <a:p>
             <a:fld id="{78BDB4D9-4BD4-474B-AD71-B86B2305AA5C}" type="datetimeFigureOut">
               <a:rPr lang="es-PE" smtClean="0"/>
-              <a:t>3/07/2022</a:t>
+              <a:t>04/07/2022</a:t>
             </a:fld>
             <a:endParaRPr lang="es-PE"/>
           </a:p>
@@ -3911,6 +3916,11 @@
           </p:cNvGraphicFramePr>
           <p:nvPr>
             <p:ph idx="1"/>
+            <p:extLst>
+              <p:ext uri="{D42A27DB-BD31-4B8C-83A1-F6EECF244321}">
+                <p14:modId xmlns:p14="http://schemas.microsoft.com/office/powerpoint/2010/main" val="78628938"/>
+              </p:ext>
+            </p:extLst>
           </p:nvPr>
         </p:nvGraphicFramePr>
         <p:xfrm>
@@ -4286,7 +4296,7 @@
                       <a:pPr algn="ctr"/>
                       <a:r>
                         <a:rPr lang="es-PE" dirty="0"/>
-                        <a:t>37.15%</a:t>
+                        <a:t>51.15%</a:t>
                       </a:r>
                     </a:p>
                   </a:txBody>
@@ -4399,7 +4409,7 @@
                       <a:pPr algn="ctr"/>
                       <a:r>
                         <a:rPr lang="es-PE" dirty="0"/>
-                        <a:t>55.36%</a:t>
+                        <a:t>51.68%</a:t>
                       </a:r>
                     </a:p>
                   </a:txBody>
@@ -4532,7 +4542,7 @@
                       <a:pPr algn="ctr"/>
                       <a:r>
                         <a:rPr lang="es-PE" dirty="0"/>
-                        <a:t>35.17%</a:t>
+                        <a:t>54.27%</a:t>
                       </a:r>
                     </a:p>
                   </a:txBody>
